--- a/doc/NHibernate.pptx
+++ b/doc/NHibernate.pptx
@@ -38,65 +38,49 @@
     <p:sldId id="303" r:id="rId32"/>
     <p:sldId id="304" r:id="rId33"/>
     <p:sldId id="306" r:id="rId34"/>
-    <p:sldId id="269" r:id="rId35"/>
-    <p:sldId id="270" r:id="rId36"/>
-    <p:sldId id="271" r:id="rId37"/>
-    <p:sldId id="272" r:id="rId38"/>
-    <p:sldId id="273" r:id="rId39"/>
-    <p:sldId id="274" r:id="rId40"/>
-    <p:sldId id="307" r:id="rId41"/>
-    <p:sldId id="261" r:id="rId42"/>
-    <p:sldId id="308" r:id="rId43"/>
-    <p:sldId id="357" r:id="rId44"/>
-    <p:sldId id="313" r:id="rId45"/>
-    <p:sldId id="309" r:id="rId46"/>
-    <p:sldId id="314" r:id="rId47"/>
-    <p:sldId id="358" r:id="rId48"/>
-    <p:sldId id="310" r:id="rId49"/>
-    <p:sldId id="311" r:id="rId50"/>
-    <p:sldId id="312" r:id="rId51"/>
-    <p:sldId id="315" r:id="rId52"/>
-    <p:sldId id="359" r:id="rId53"/>
-    <p:sldId id="316" r:id="rId54"/>
-    <p:sldId id="263" r:id="rId55"/>
-    <p:sldId id="321" r:id="rId56"/>
-    <p:sldId id="317" r:id="rId57"/>
-    <p:sldId id="318" r:id="rId58"/>
-    <p:sldId id="319" r:id="rId59"/>
-    <p:sldId id="326" r:id="rId60"/>
-    <p:sldId id="327" r:id="rId61"/>
-    <p:sldId id="328" r:id="rId62"/>
-    <p:sldId id="329" r:id="rId63"/>
-    <p:sldId id="360" r:id="rId64"/>
-    <p:sldId id="330" r:id="rId65"/>
-    <p:sldId id="331" r:id="rId66"/>
-    <p:sldId id="332" r:id="rId67"/>
-    <p:sldId id="333" r:id="rId68"/>
-    <p:sldId id="334" r:id="rId69"/>
-    <p:sldId id="335" r:id="rId70"/>
-    <p:sldId id="361" r:id="rId71"/>
-    <p:sldId id="362" r:id="rId72"/>
-    <p:sldId id="364" r:id="rId73"/>
-    <p:sldId id="363" r:id="rId74"/>
-    <p:sldId id="336" r:id="rId75"/>
-    <p:sldId id="337" r:id="rId76"/>
-    <p:sldId id="338" r:id="rId77"/>
-    <p:sldId id="342" r:id="rId78"/>
-    <p:sldId id="343" r:id="rId79"/>
-    <p:sldId id="355" r:id="rId80"/>
-    <p:sldId id="344" r:id="rId81"/>
-    <p:sldId id="345" r:id="rId82"/>
-    <p:sldId id="346" r:id="rId83"/>
-    <p:sldId id="365" r:id="rId84"/>
-    <p:sldId id="356" r:id="rId85"/>
-    <p:sldId id="347" r:id="rId86"/>
-    <p:sldId id="348" r:id="rId87"/>
-    <p:sldId id="349" r:id="rId88"/>
-    <p:sldId id="350" r:id="rId89"/>
-    <p:sldId id="351" r:id="rId90"/>
-    <p:sldId id="352" r:id="rId91"/>
-    <p:sldId id="353" r:id="rId92"/>
-    <p:sldId id="354" r:id="rId93"/>
+    <p:sldId id="307" r:id="rId35"/>
+    <p:sldId id="261" r:id="rId36"/>
+    <p:sldId id="308" r:id="rId37"/>
+    <p:sldId id="357" r:id="rId38"/>
+    <p:sldId id="309" r:id="rId39"/>
+    <p:sldId id="314" r:id="rId40"/>
+    <p:sldId id="310" r:id="rId41"/>
+    <p:sldId id="311" r:id="rId42"/>
+    <p:sldId id="312" r:id="rId43"/>
+    <p:sldId id="316" r:id="rId44"/>
+    <p:sldId id="263" r:id="rId45"/>
+    <p:sldId id="321" r:id="rId46"/>
+    <p:sldId id="318" r:id="rId47"/>
+    <p:sldId id="319" r:id="rId48"/>
+    <p:sldId id="326" r:id="rId49"/>
+    <p:sldId id="327" r:id="rId50"/>
+    <p:sldId id="328" r:id="rId51"/>
+    <p:sldId id="330" r:id="rId52"/>
+    <p:sldId id="332" r:id="rId53"/>
+    <p:sldId id="333" r:id="rId54"/>
+    <p:sldId id="334" r:id="rId55"/>
+    <p:sldId id="362" r:id="rId56"/>
+    <p:sldId id="364" r:id="rId57"/>
+    <p:sldId id="363" r:id="rId58"/>
+    <p:sldId id="336" r:id="rId59"/>
+    <p:sldId id="337" r:id="rId60"/>
+    <p:sldId id="338" r:id="rId61"/>
+    <p:sldId id="342" r:id="rId62"/>
+    <p:sldId id="343" r:id="rId63"/>
+    <p:sldId id="355" r:id="rId64"/>
+    <p:sldId id="344" r:id="rId65"/>
+    <p:sldId id="345" r:id="rId66"/>
+    <p:sldId id="346" r:id="rId67"/>
+    <p:sldId id="365" r:id="rId68"/>
+    <p:sldId id="356" r:id="rId69"/>
+    <p:sldId id="347" r:id="rId70"/>
+    <p:sldId id="348" r:id="rId71"/>
+    <p:sldId id="349" r:id="rId72"/>
+    <p:sldId id="350" r:id="rId73"/>
+    <p:sldId id="351" r:id="rId74"/>
+    <p:sldId id="352" r:id="rId75"/>
+    <p:sldId id="353" r:id="rId76"/>
+    <p:sldId id="354" r:id="rId77"/>
   </p:sldIdLst>
   <p:sldSz cx="9144000" cy="6858000" type="screen4x3"/>
   <p:notesSz cx="6858000" cy="9144000"/>
@@ -380,7 +364,7 @@
             <a:fld id="{EEEEEF48-E2BB-4732-BE8F-87CA0831FF3E}" type="datetimeFigureOut">
               <a:rPr lang="en-US" smtClean="0"/>
               <a:pPr/>
-              <a:t>9/10/2009</a:t>
+              <a:t>5/5/2010</a:t>
             </a:fld>
             <a:endParaRPr lang="en-US"/>
           </a:p>
@@ -547,7 +531,7 @@
             <a:fld id="{EEEEEF48-E2BB-4732-BE8F-87CA0831FF3E}" type="datetimeFigureOut">
               <a:rPr lang="en-US" smtClean="0"/>
               <a:pPr/>
-              <a:t>9/10/2009</a:t>
+              <a:t>5/5/2010</a:t>
             </a:fld>
             <a:endParaRPr lang="en-US"/>
           </a:p>
@@ -724,7 +708,7 @@
             <a:fld id="{EEEEEF48-E2BB-4732-BE8F-87CA0831FF3E}" type="datetimeFigureOut">
               <a:rPr lang="en-US" smtClean="0"/>
               <a:pPr/>
-              <a:t>9/10/2009</a:t>
+              <a:t>5/5/2010</a:t>
             </a:fld>
             <a:endParaRPr lang="en-US"/>
           </a:p>
@@ -891,7 +875,7 @@
             <a:fld id="{EEEEEF48-E2BB-4732-BE8F-87CA0831FF3E}" type="datetimeFigureOut">
               <a:rPr lang="en-US" smtClean="0"/>
               <a:pPr/>
-              <a:t>9/10/2009</a:t>
+              <a:t>5/5/2010</a:t>
             </a:fld>
             <a:endParaRPr lang="en-US"/>
           </a:p>
@@ -1134,7 +1118,7 @@
             <a:fld id="{EEEEEF48-E2BB-4732-BE8F-87CA0831FF3E}" type="datetimeFigureOut">
               <a:rPr lang="en-US" smtClean="0"/>
               <a:pPr/>
-              <a:t>9/10/2009</a:t>
+              <a:t>5/5/2010</a:t>
             </a:fld>
             <a:endParaRPr lang="en-US"/>
           </a:p>
@@ -1419,7 +1403,7 @@
             <a:fld id="{EEEEEF48-E2BB-4732-BE8F-87CA0831FF3E}" type="datetimeFigureOut">
               <a:rPr lang="en-US" smtClean="0"/>
               <a:pPr/>
-              <a:t>9/10/2009</a:t>
+              <a:t>5/5/2010</a:t>
             </a:fld>
             <a:endParaRPr lang="en-US"/>
           </a:p>
@@ -1838,7 +1822,7 @@
             <a:fld id="{EEEEEF48-E2BB-4732-BE8F-87CA0831FF3E}" type="datetimeFigureOut">
               <a:rPr lang="en-US" smtClean="0"/>
               <a:pPr/>
-              <a:t>9/10/2009</a:t>
+              <a:t>5/5/2010</a:t>
             </a:fld>
             <a:endParaRPr lang="en-US"/>
           </a:p>
@@ -1953,7 +1937,7 @@
             <a:fld id="{EEEEEF48-E2BB-4732-BE8F-87CA0831FF3E}" type="datetimeFigureOut">
               <a:rPr lang="en-US" smtClean="0"/>
               <a:pPr/>
-              <a:t>9/10/2009</a:t>
+              <a:t>5/5/2010</a:t>
             </a:fld>
             <a:endParaRPr lang="en-US"/>
           </a:p>
@@ -2045,7 +2029,7 @@
             <a:fld id="{EEEEEF48-E2BB-4732-BE8F-87CA0831FF3E}" type="datetimeFigureOut">
               <a:rPr lang="en-US" smtClean="0"/>
               <a:pPr/>
-              <a:t>9/10/2009</a:t>
+              <a:t>5/5/2010</a:t>
             </a:fld>
             <a:endParaRPr lang="en-US"/>
           </a:p>
@@ -2319,7 +2303,7 @@
             <a:fld id="{EEEEEF48-E2BB-4732-BE8F-87CA0831FF3E}" type="datetimeFigureOut">
               <a:rPr lang="en-US" smtClean="0"/>
               <a:pPr/>
-              <a:t>9/10/2009</a:t>
+              <a:t>5/5/2010</a:t>
             </a:fld>
             <a:endParaRPr lang="en-US"/>
           </a:p>
@@ -2569,7 +2553,7 @@
             <a:fld id="{EEEEEF48-E2BB-4732-BE8F-87CA0831FF3E}" type="datetimeFigureOut">
               <a:rPr lang="en-US" smtClean="0"/>
               <a:pPr/>
-              <a:t>9/10/2009</a:t>
+              <a:t>5/5/2010</a:t>
             </a:fld>
             <a:endParaRPr lang="en-US"/>
           </a:p>
@@ -2779,7 +2763,7 @@
             <a:fld id="{EEEEEF48-E2BB-4732-BE8F-87CA0831FF3E}" type="datetimeFigureOut">
               <a:rPr lang="en-US" smtClean="0"/>
               <a:pPr/>
-              <a:t>9/10/2009</a:t>
+              <a:t>5/5/2010</a:t>
             </a:fld>
             <a:endParaRPr lang="en-US"/>
           </a:p>
@@ -5082,15 +5066,7 @@
             </a:pPr>
             <a:r>
               <a:rPr lang="en-US" dirty="0" smtClean="0"/>
-              <a:t>(some companies </a:t>
-            </a:r>
-            <a:r>
-              <a:rPr lang="en-US" dirty="0" smtClean="0"/>
-              <a:t>just don’t </a:t>
-            </a:r>
-            <a:r>
-              <a:rPr lang="en-US" dirty="0" smtClean="0"/>
-              <a:t>like that)</a:t>
+              <a:t>(some companies just don’t like that)</a:t>
             </a:r>
             <a:endParaRPr lang="en-US" dirty="0"/>
           </a:p>
@@ -5463,15 +5439,7 @@
             </a:pPr>
             <a:r>
               <a:rPr lang="en-US" dirty="0" smtClean="0"/>
-              <a:t>Managing associations between classes </a:t>
-            </a:r>
-            <a:r>
-              <a:rPr lang="en-US" dirty="0" smtClean="0"/>
-              <a:t>in </a:t>
-            </a:r>
-            <a:r>
-              <a:rPr lang="en-US" dirty="0" smtClean="0"/>
-              <a:t>a transparent manner</a:t>
+              <a:t>Managing associations between classes in a transparent manner</a:t>
             </a:r>
           </a:p>
           <a:p>
@@ -5700,20 +5668,6 @@
 <file path=ppt/slides/slide34.xml><?xml version="1.0" encoding="utf-8"?>
 <p:sld xmlns:a="http://schemas.openxmlformats.org/drawingml/2006/main" xmlns:r="http://schemas.openxmlformats.org/officeDocument/2006/relationships" xmlns:p="http://schemas.openxmlformats.org/presentationml/2006/main">
   <p:cSld>
-    <p:bg>
-      <p:bgPr>
-        <a:blipFill dpi="0" rotWithShape="1">
-          <a:blip r:embed="rId2">
-            <a:lum/>
-          </a:blip>
-          <a:srcRect/>
-          <a:stretch>
-            <a:fillRect/>
-          </a:stretch>
-        </a:blipFill>
-        <a:effectLst/>
-      </p:bgPr>
-    </p:bg>
     <p:spTree>
       <p:nvGrpSpPr>
         <p:cNvPr id="1" name=""/>
@@ -5765,6 +5719,27 @@
             <a:pPr>
               <a:buNone/>
             </a:pPr>
+            <a:endParaRPr lang="en-US" dirty="0" smtClean="0"/>
+          </a:p>
+          <a:p>
+            <a:pPr>
+              <a:buNone/>
+            </a:pPr>
+            <a:endParaRPr lang="en-US" dirty="0" smtClean="0"/>
+          </a:p>
+          <a:p>
+            <a:pPr algn="ctr">
+              <a:buNone/>
+            </a:pPr>
+            <a:r>
+              <a:rPr lang="en-US" dirty="0" smtClean="0"/>
+              <a:t>Storing data in the database in an easy manner is great and all, but what about getting it out again?</a:t>
+            </a:r>
+          </a:p>
+          <a:p>
+            <a:pPr>
+              <a:buNone/>
+            </a:pPr>
             <a:endParaRPr lang="en-US" dirty="0"/>
           </a:p>
         </p:txBody>
@@ -5774,7 +5749,7 @@
   <p:clrMapOvr>
     <a:masterClrMapping/>
   </p:clrMapOvr>
-  <p:transition advTm="86453"/>
+  <p:transition advTm="12203"/>
   <p:timing>
     <p:tnLst>
       <p:par>
@@ -5788,20 +5763,6 @@
 <file path=ppt/slides/slide35.xml><?xml version="1.0" encoding="utf-8"?>
 <p:sld xmlns:a="http://schemas.openxmlformats.org/drawingml/2006/main" xmlns:r="http://schemas.openxmlformats.org/officeDocument/2006/relationships" xmlns:p="http://schemas.openxmlformats.org/presentationml/2006/main">
   <p:cSld>
-    <p:bg>
-      <p:bgPr>
-        <a:blipFill dpi="0" rotWithShape="1">
-          <a:blip r:embed="rId2">
-            <a:lum/>
-          </a:blip>
-          <a:srcRect/>
-          <a:stretch>
-            <a:fillRect/>
-          </a:stretch>
-        </a:blipFill>
-        <a:effectLst/>
-      </p:bgPr>
-    </p:bg>
     <p:spTree>
       <p:nvGrpSpPr>
         <p:cNvPr id="1" name=""/>
@@ -5831,7 +5792,7 @@
           <a:bodyPr/>
           <a:lstStyle/>
           <a:p>
-            <a:endParaRPr lang="en-US"/>
+            <a:endParaRPr lang="en-US" dirty="0"/>
           </a:p>
         </p:txBody>
       </p:sp>
@@ -5850,7 +5811,30 @@
           <a:bodyPr/>
           <a:lstStyle/>
           <a:p>
+            <a:pPr>
+              <a:buNone/>
+            </a:pPr>
             <a:endParaRPr lang="en-US" dirty="0"/>
+          </a:p>
+          <a:p>
+            <a:pPr>
+              <a:buNone/>
+            </a:pPr>
+            <a:endParaRPr lang="en-US" dirty="0" smtClean="0"/>
+          </a:p>
+          <a:p>
+            <a:pPr algn="ctr">
+              <a:buNone/>
+            </a:pPr>
+            <a:r>
+              <a:rPr lang="en-US" sz="4400" dirty="0" smtClean="0"/>
+              <a:t>Querying with </a:t>
+            </a:r>
+            <a:r>
+              <a:rPr lang="en-US" sz="4400" dirty="0" err="1" smtClean="0"/>
+              <a:t>NHibernate</a:t>
+            </a:r>
+            <a:endParaRPr lang="en-US" sz="4400" dirty="0"/>
           </a:p>
         </p:txBody>
       </p:sp>
@@ -5859,7 +5843,7 @@
   <p:clrMapOvr>
     <a:masterClrMapping/>
   </p:clrMapOvr>
-  <p:transition advTm="133719"/>
+  <p:transition advTm="0"/>
   <p:timing>
     <p:tnLst>
       <p:par>
@@ -5873,20 +5857,6 @@
 <file path=ppt/slides/slide36.xml><?xml version="1.0" encoding="utf-8"?>
 <p:sld xmlns:a="http://schemas.openxmlformats.org/drawingml/2006/main" xmlns:r="http://schemas.openxmlformats.org/officeDocument/2006/relationships" xmlns:p="http://schemas.openxmlformats.org/presentationml/2006/main">
   <p:cSld>
-    <p:bg>
-      <p:bgPr>
-        <a:blipFill dpi="0" rotWithShape="1">
-          <a:blip r:embed="rId2">
-            <a:lum/>
-          </a:blip>
-          <a:srcRect/>
-          <a:stretch>
-            <a:fillRect/>
-          </a:stretch>
-        </a:blipFill>
-        <a:effectLst/>
-      </p:bgPr>
-    </p:bg>
     <p:spTree>
       <p:nvGrpSpPr>
         <p:cNvPr id="1" name=""/>
@@ -5935,7 +5905,30 @@
           <a:bodyPr/>
           <a:lstStyle/>
           <a:p>
-            <a:endParaRPr lang="en-US"/>
+            <a:pPr>
+              <a:buNone/>
+            </a:pPr>
+            <a:endParaRPr lang="en-US" dirty="0" smtClean="0"/>
+          </a:p>
+          <a:p>
+            <a:pPr>
+              <a:buNone/>
+            </a:pPr>
+            <a:endParaRPr lang="en-US" dirty="0" smtClean="0"/>
+          </a:p>
+          <a:p>
+            <a:pPr algn="ctr">
+              <a:buNone/>
+            </a:pPr>
+            <a:r>
+              <a:rPr lang="en-US" dirty="0" smtClean="0"/>
+              <a:t>Hibernate Query </a:t>
+            </a:r>
+            <a:r>
+              <a:rPr lang="en-US" dirty="0" smtClean="0"/>
+              <a:t>Language (HQL)</a:t>
+            </a:r>
+            <a:endParaRPr lang="en-US" dirty="0"/>
           </a:p>
         </p:txBody>
       </p:sp>
@@ -5944,7 +5937,7 @@
   <p:clrMapOvr>
     <a:masterClrMapping/>
   </p:clrMapOvr>
-  <p:transition advTm="67078"/>
+  <p:transition advTm="20640"/>
   <p:timing>
     <p:tnLst>
       <p:par>
@@ -5987,65 +5980,45 @@
           <a:bodyPr/>
           <a:lstStyle/>
           <a:p>
+            <a:endParaRPr lang="en-US"/>
+          </a:p>
+        </p:txBody>
+      </p:sp>
+      <p:sp>
+        <p:nvSpPr>
+          <p:cNvPr id="3" name="Content Placeholder 2"/>
+          <p:cNvSpPr>
+            <a:spLocks noGrp="1"/>
+          </p:cNvSpPr>
+          <p:nvPr>
+            <p:ph idx="1"/>
+          </p:nvPr>
+        </p:nvSpPr>
+        <p:spPr/>
+        <p:txBody>
+          <a:bodyPr/>
+          <a:lstStyle/>
+          <a:p>
+            <a:pPr>
+              <a:buNone/>
+            </a:pPr>
+            <a:endParaRPr lang="en-US" dirty="0" smtClean="0"/>
+          </a:p>
+          <a:p>
+            <a:pPr>
+              <a:buNone/>
+            </a:pPr>
+            <a:endParaRPr lang="en-US" dirty="0" smtClean="0"/>
+          </a:p>
+          <a:p>
+            <a:pPr algn="ctr">
+              <a:buNone/>
+            </a:pPr>
+            <a:r>
+              <a:rPr lang="en-US" dirty="0" smtClean="0"/>
+              <a:t>It’s an Object Oriented query language</a:t>
+            </a:r>
             <a:endParaRPr lang="en-US" dirty="0"/>
-          </a:p>
-        </p:txBody>
-      </p:sp>
-      <p:sp>
-        <p:nvSpPr>
-          <p:cNvPr id="3" name="Content Placeholder 2"/>
-          <p:cNvSpPr>
-            <a:spLocks noGrp="1"/>
-          </p:cNvSpPr>
-          <p:nvPr>
-            <p:ph idx="1"/>
-          </p:nvPr>
-        </p:nvSpPr>
-        <p:spPr/>
-        <p:txBody>
-          <a:bodyPr/>
-          <a:lstStyle/>
-          <a:p>
-            <a:pPr>
-              <a:buNone/>
-            </a:pPr>
-            <a:endParaRPr lang="en-US" dirty="0" smtClean="0"/>
-          </a:p>
-          <a:p>
-            <a:pPr>
-              <a:buNone/>
-            </a:pPr>
-            <a:endParaRPr lang="en-US" dirty="0" smtClean="0"/>
-          </a:p>
-          <a:p>
-            <a:pPr algn="ctr">
-              <a:buNone/>
-            </a:pPr>
-            <a:r>
-              <a:rPr lang="en-US" dirty="0" smtClean="0"/>
-              <a:t>Hold on… why was every member in the Order</a:t>
-            </a:r>
-          </a:p>
-          <a:p>
-            <a:pPr algn="ctr">
-              <a:buNone/>
-            </a:pPr>
-            <a:r>
-              <a:rPr lang="en-US" dirty="0" smtClean="0"/>
-              <a:t>class </a:t>
-            </a:r>
-            <a:r>
-              <a:rPr lang="en-US" b="1" dirty="0" smtClean="0">
-                <a:solidFill>
-                  <a:srgbClr val="FF0000"/>
-                </a:solidFill>
-              </a:rPr>
-              <a:t>virtual</a:t>
-            </a:r>
-            <a:r>
-              <a:rPr lang="en-US" dirty="0" smtClean="0"/>
-              <a:t>?</a:t>
-            </a:r>
           </a:p>
         </p:txBody>
       </p:sp>
@@ -6054,7 +6027,7 @@
   <p:clrMapOvr>
     <a:masterClrMapping/>
   </p:clrMapOvr>
-  <p:transition advTm="89625"/>
+  <p:transition advTm="22359"/>
   <p:timing>
     <p:tnLst>
       <p:par>
@@ -6068,20 +6041,6 @@
 <file path=ppt/slides/slide38.xml><?xml version="1.0" encoding="utf-8"?>
 <p:sld xmlns:a="http://schemas.openxmlformats.org/drawingml/2006/main" xmlns:r="http://schemas.openxmlformats.org/officeDocument/2006/relationships" xmlns:p="http://schemas.openxmlformats.org/presentationml/2006/main">
   <p:cSld>
-    <p:bg>
-      <p:bgPr>
-        <a:blipFill dpi="0" rotWithShape="1">
-          <a:blip r:embed="rId2">
-            <a:lum/>
-          </a:blip>
-          <a:srcRect/>
-          <a:stretch>
-            <a:fillRect/>
-          </a:stretch>
-        </a:blipFill>
-        <a:effectLst/>
-      </p:bgPr>
-    </p:bg>
     <p:spTree>
       <p:nvGrpSpPr>
         <p:cNvPr id="1" name=""/>
@@ -6130,7 +6089,26 @@
           <a:bodyPr/>
           <a:lstStyle/>
           <a:p>
-            <a:endParaRPr lang="en-US"/>
+            <a:pPr>
+              <a:buNone/>
+            </a:pPr>
+            <a:endParaRPr lang="en-US" dirty="0" smtClean="0"/>
+          </a:p>
+          <a:p>
+            <a:pPr>
+              <a:buNone/>
+            </a:pPr>
+            <a:endParaRPr lang="en-US" dirty="0" smtClean="0"/>
+          </a:p>
+          <a:p>
+            <a:pPr algn="ctr">
+              <a:buNone/>
+            </a:pPr>
+            <a:r>
+              <a:rPr lang="en-US" dirty="0" smtClean="0"/>
+              <a:t>Criteria API</a:t>
+            </a:r>
+            <a:endParaRPr lang="en-US" dirty="0"/>
           </a:p>
         </p:txBody>
       </p:sp>
@@ -6139,7 +6117,7 @@
   <p:clrMapOvr>
     <a:masterClrMapping/>
   </p:clrMapOvr>
-  <p:transition advTm="166297"/>
+  <p:transition advTm="14484"/>
   <p:timing>
     <p:tnLst>
       <p:par>
@@ -6182,7 +6160,7 @@
           <a:bodyPr/>
           <a:lstStyle/>
           <a:p>
-            <a:endParaRPr lang="en-US" dirty="0"/>
+            <a:endParaRPr lang="en-US"/>
           </a:p>
         </p:txBody>
       </p:sp>
@@ -6201,24 +6179,24 @@
           <a:bodyPr/>
           <a:lstStyle/>
           <a:p>
+            <a:pPr>
+              <a:buNone/>
+            </a:pPr>
+            <a:endParaRPr lang="en-US" dirty="0" smtClean="0"/>
+          </a:p>
+          <a:p>
+            <a:pPr>
+              <a:buNone/>
+            </a:pPr>
+            <a:endParaRPr lang="en-US" dirty="0" smtClean="0"/>
+          </a:p>
+          <a:p>
             <a:pPr algn="ctr">
               <a:buNone/>
             </a:pPr>
-            <a:endParaRPr lang="en-US" dirty="0" smtClean="0"/>
-          </a:p>
-          <a:p>
-            <a:pPr algn="ctr">
-              <a:buNone/>
-            </a:pPr>
-            <a:endParaRPr lang="en-US" dirty="0" smtClean="0"/>
-          </a:p>
-          <a:p>
-            <a:pPr algn="ctr">
-              <a:buNone/>
-            </a:pPr>
             <a:r>
               <a:rPr lang="en-US" dirty="0" smtClean="0"/>
-              <a:t>I wouldn’t want to debug that either :)</a:t>
+              <a:t>Makes it easier to compose queries dynamically from code.  </a:t>
             </a:r>
             <a:endParaRPr lang="en-US" dirty="0"/>
           </a:p>
@@ -6229,7 +6207,7 @@
   <p:clrMapOvr>
     <a:masterClrMapping/>
   </p:clrMapOvr>
-  <p:transition advTm="12875"/>
+  <p:transition advTm="15281"/>
   <p:timing>
     <p:tnLst>
       <p:par>
@@ -6308,42 +6286,17 @@
             </a:pPr>
             <a:r>
               <a:rPr lang="en-US" dirty="0" smtClean="0"/>
-              <a:t>Mature </a:t>
-            </a:r>
+              <a:t>Mature architecture and proven</a:t>
+            </a:r>
+          </a:p>
+          <a:p>
+            <a:pPr algn="ctr">
+              <a:buNone/>
+            </a:pPr>
             <a:r>
               <a:rPr lang="en-US" dirty="0" smtClean="0"/>
-              <a:t>architecture </a:t>
-            </a:r>
-            <a:r>
-              <a:rPr lang="en-US" dirty="0" smtClean="0"/>
-              <a:t>and </a:t>
-            </a:r>
-            <a:r>
-              <a:rPr lang="en-US" dirty="0" smtClean="0"/>
-              <a:t>proven</a:t>
-            </a:r>
-          </a:p>
-          <a:p>
-            <a:pPr algn="ctr">
-              <a:buNone/>
-            </a:pPr>
-            <a:r>
-              <a:rPr lang="en-US" dirty="0" smtClean="0"/>
-              <a:t>c</a:t>
-            </a:r>
-            <a:r>
-              <a:rPr lang="en-US" dirty="0" smtClean="0"/>
-              <a:t>oncepts, already </a:t>
-            </a:r>
-            <a:r>
-              <a:rPr lang="en-US" dirty="0" smtClean="0"/>
-              <a:t>in use in </a:t>
-            </a:r>
-            <a:r>
-              <a:rPr lang="en-US" dirty="0" smtClean="0"/>
-              <a:t>many</a:t>
-            </a:r>
-            <a:endParaRPr lang="en-US" dirty="0" smtClean="0"/>
+              <a:t>concepts, already in use in many</a:t>
+            </a:r>
           </a:p>
           <a:p>
             <a:pPr algn="ctr">
@@ -6446,14 +6399,8 @@
             </a:pPr>
             <a:r>
               <a:rPr lang="en-US" dirty="0" smtClean="0"/>
-              <a:t>Storing data in the database in an easy manner is great and all, but what about getting it out again?</a:t>
-            </a:r>
-          </a:p>
-          <a:p>
-            <a:pPr>
-              <a:buNone/>
-            </a:pPr>
-            <a:endParaRPr lang="en-US" dirty="0"/>
+              <a:t>LINQ… still not fully supported</a:t>
+            </a:r>
           </a:p>
         </p:txBody>
       </p:sp>
@@ -6462,7 +6409,7 @@
   <p:clrMapOvr>
     <a:masterClrMapping/>
   </p:clrMapOvr>
-  <p:transition advTm="12203"/>
+  <p:transition advTm="28640"/>
   <p:timing>
     <p:tnLst>
       <p:par>
@@ -6505,49 +6452,45 @@
           <a:bodyPr/>
           <a:lstStyle/>
           <a:p>
+            <a:endParaRPr lang="en-US"/>
+          </a:p>
+        </p:txBody>
+      </p:sp>
+      <p:sp>
+        <p:nvSpPr>
+          <p:cNvPr id="3" name="Content Placeholder 2"/>
+          <p:cNvSpPr>
+            <a:spLocks noGrp="1"/>
+          </p:cNvSpPr>
+          <p:nvPr>
+            <p:ph idx="1"/>
+          </p:nvPr>
+        </p:nvSpPr>
+        <p:spPr/>
+        <p:txBody>
+          <a:bodyPr/>
+          <a:lstStyle/>
+          <a:p>
+            <a:pPr>
+              <a:buNone/>
+            </a:pPr>
+            <a:endParaRPr lang="en-US" dirty="0" smtClean="0"/>
+          </a:p>
+          <a:p>
+            <a:pPr>
+              <a:buNone/>
+            </a:pPr>
+            <a:endParaRPr lang="en-US" dirty="0" smtClean="0"/>
+          </a:p>
+          <a:p>
+            <a:pPr algn="ctr">
+              <a:buNone/>
+            </a:pPr>
+            <a:r>
+              <a:rPr lang="en-US" dirty="0" smtClean="0"/>
+              <a:t>Wouldn’t it be great if we could execute multiple queries in only one database roundtrip?</a:t>
+            </a:r>
             <a:endParaRPr lang="en-US" dirty="0"/>
-          </a:p>
-        </p:txBody>
-      </p:sp>
-      <p:sp>
-        <p:nvSpPr>
-          <p:cNvPr id="3" name="Content Placeholder 2"/>
-          <p:cNvSpPr>
-            <a:spLocks noGrp="1"/>
-          </p:cNvSpPr>
-          <p:nvPr>
-            <p:ph idx="1"/>
-          </p:nvPr>
-        </p:nvSpPr>
-        <p:spPr/>
-        <p:txBody>
-          <a:bodyPr/>
-          <a:lstStyle/>
-          <a:p>
-            <a:pPr>
-              <a:buNone/>
-            </a:pPr>
-            <a:endParaRPr lang="en-US" dirty="0"/>
-          </a:p>
-          <a:p>
-            <a:pPr>
-              <a:buNone/>
-            </a:pPr>
-            <a:endParaRPr lang="en-US" dirty="0" smtClean="0"/>
-          </a:p>
-          <a:p>
-            <a:pPr algn="ctr">
-              <a:buNone/>
-            </a:pPr>
-            <a:r>
-              <a:rPr lang="en-US" sz="4400" dirty="0" smtClean="0"/>
-              <a:t>Querying with </a:t>
-            </a:r>
-            <a:r>
-              <a:rPr lang="en-US" sz="4400" dirty="0" err="1" smtClean="0"/>
-              <a:t>NHibernate</a:t>
-            </a:r>
-            <a:endParaRPr lang="en-US" sz="4400" dirty="0"/>
           </a:p>
         </p:txBody>
       </p:sp>
@@ -6556,7 +6499,7 @@
   <p:clrMapOvr>
     <a:masterClrMapping/>
   </p:clrMapOvr>
-  <p:transition advTm="0"/>
+  <p:transition advTm="45000"/>
   <p:timing>
     <p:tnLst>
       <p:par>
@@ -6634,10 +6577,10 @@
               <a:buNone/>
             </a:pPr>
             <a:r>
-              <a:rPr lang="en-US" dirty="0" smtClean="0"/>
-              <a:t>Hibernate Query Language</a:t>
-            </a:r>
-            <a:endParaRPr lang="en-US" dirty="0"/>
+              <a:rPr lang="en-US" sz="4400" dirty="0" smtClean="0"/>
+              <a:t>Future Queries</a:t>
+            </a:r>
+            <a:endParaRPr lang="en-US" sz="4400" dirty="0"/>
           </a:p>
         </p:txBody>
       </p:sp>
@@ -6646,7 +6589,7 @@
   <p:clrMapOvr>
     <a:masterClrMapping/>
   </p:clrMapOvr>
-  <p:transition advTm="20640"/>
+  <p:transition advTm="51359"/>
   <p:timing>
     <p:tnLst>
       <p:par>
@@ -6725,11 +6668,7 @@
             </a:pPr>
             <a:r>
               <a:rPr lang="en-US" dirty="0" smtClean="0"/>
-              <a:t>It’s an Object Oriented query </a:t>
-            </a:r>
-            <a:r>
-              <a:rPr lang="en-US" dirty="0" smtClean="0"/>
-              <a:t>language</a:t>
+              <a:t>Can we efficiently update multiple records in one roundtrip as well?</a:t>
             </a:r>
             <a:endParaRPr lang="en-US" dirty="0"/>
           </a:p>
@@ -6740,7 +6679,7 @@
   <p:clrMapOvr>
     <a:masterClrMapping/>
   </p:clrMapOvr>
-  <p:transition advTm="22359"/>
+  <p:transition advTm="27250"/>
   <p:timing>
     <p:tnLst>
       <p:par>
@@ -6754,20 +6693,6 @@
 <file path=ppt/slides/slide44.xml><?xml version="1.0" encoding="utf-8"?>
 <p:sld xmlns:a="http://schemas.openxmlformats.org/drawingml/2006/main" xmlns:r="http://schemas.openxmlformats.org/officeDocument/2006/relationships" xmlns:p="http://schemas.openxmlformats.org/presentationml/2006/main">
   <p:cSld>
-    <p:bg>
-      <p:bgPr>
-        <a:blipFill dpi="0" rotWithShape="1">
-          <a:blip r:embed="rId2">
-            <a:lum/>
-          </a:blip>
-          <a:srcRect/>
-          <a:stretch>
-            <a:fillRect/>
-          </a:stretch>
-        </a:blipFill>
-        <a:effectLst/>
-      </p:bgPr>
-    </p:bg>
     <p:spTree>
       <p:nvGrpSpPr>
         <p:cNvPr id="1" name=""/>
@@ -6797,7 +6722,7 @@
           <a:bodyPr/>
           <a:lstStyle/>
           <a:p>
-            <a:endParaRPr lang="en-US"/>
+            <a:endParaRPr lang="en-US" dirty="0"/>
           </a:p>
         </p:txBody>
       </p:sp>
@@ -6819,6 +6744,30 @@
             <a:pPr>
               <a:buNone/>
             </a:pPr>
+            <a:endParaRPr lang="en-US" dirty="0" smtClean="0"/>
+          </a:p>
+          <a:p>
+            <a:pPr>
+              <a:buNone/>
+            </a:pPr>
+            <a:endParaRPr lang="en-US" dirty="0" smtClean="0"/>
+          </a:p>
+          <a:p>
+            <a:pPr algn="ctr">
+              <a:buNone/>
+            </a:pPr>
+            <a:r>
+              <a:rPr lang="en-US" dirty="0" smtClean="0"/>
+              <a:t>As of </a:t>
+            </a:r>
+            <a:r>
+              <a:rPr lang="en-US" dirty="0" err="1" smtClean="0"/>
+              <a:t>NHibernate</a:t>
+            </a:r>
+            <a:r>
+              <a:rPr lang="en-US" dirty="0" smtClean="0"/>
+              <a:t> 2.1, we can do this with some new HQL statements</a:t>
+            </a:r>
             <a:endParaRPr lang="en-US" dirty="0"/>
           </a:p>
         </p:txBody>
@@ -6828,7 +6777,7 @@
   <p:clrMapOvr>
     <a:masterClrMapping/>
   </p:clrMapOvr>
-  <p:transition advTm="136657"/>
+  <p:transition advTm="16156"/>
   <p:timing>
     <p:tnLst>
       <p:par>
@@ -6906,10 +6855,10 @@
               <a:buNone/>
             </a:pPr>
             <a:r>
-              <a:rPr lang="en-US" dirty="0" smtClean="0"/>
-              <a:t>Criteria API</a:t>
-            </a:r>
-            <a:endParaRPr lang="en-US" dirty="0"/>
+              <a:rPr lang="en-US" sz="4400" dirty="0" smtClean="0"/>
+              <a:t>Data Modification With HQL</a:t>
+            </a:r>
+            <a:endParaRPr lang="en-US" sz="4400" dirty="0"/>
           </a:p>
         </p:txBody>
       </p:sp>
@@ -6918,7 +6867,7 @@
   <p:clrMapOvr>
     <a:masterClrMapping/>
   </p:clrMapOvr>
-  <p:transition advTm="14484"/>
+  <p:transition advTm="9562"/>
   <p:timing>
     <p:tnLst>
       <p:par>
@@ -6997,7 +6946,7 @@
             </a:pPr>
             <a:r>
               <a:rPr lang="en-US" dirty="0" smtClean="0"/>
-              <a:t>Makes it easier to compose queries dynamically from code.  </a:t>
+              <a:t>What about caching? Do we need to do that manually?</a:t>
             </a:r>
             <a:endParaRPr lang="en-US" dirty="0"/>
           </a:p>
@@ -7008,7 +6957,7 @@
   <p:clrMapOvr>
     <a:masterClrMapping/>
   </p:clrMapOvr>
-  <p:transition advTm="15281"/>
+  <p:transition advTm="32672"/>
   <p:timing>
     <p:tnLst>
       <p:par>
@@ -7022,20 +6971,6 @@
 <file path=ppt/slides/slide47.xml><?xml version="1.0" encoding="utf-8"?>
 <p:sld xmlns:a="http://schemas.openxmlformats.org/drawingml/2006/main" xmlns:r="http://schemas.openxmlformats.org/officeDocument/2006/relationships" xmlns:p="http://schemas.openxmlformats.org/presentationml/2006/main">
   <p:cSld>
-    <p:bg>
-      <p:bgPr>
-        <a:blipFill dpi="0" rotWithShape="1">
-          <a:blip r:embed="rId2">
-            <a:lum/>
-          </a:blip>
-          <a:srcRect/>
-          <a:stretch>
-            <a:fillRect/>
-          </a:stretch>
-        </a:blipFill>
-        <a:effectLst/>
-      </p:bgPr>
-    </p:bg>
     <p:spTree>
       <p:nvGrpSpPr>
         <p:cNvPr id="1" name=""/>
@@ -7084,7 +7019,26 @@
           <a:bodyPr/>
           <a:lstStyle/>
           <a:p>
-            <a:endParaRPr lang="en-US"/>
+            <a:pPr>
+              <a:buNone/>
+            </a:pPr>
+            <a:endParaRPr lang="en-US" dirty="0" smtClean="0"/>
+          </a:p>
+          <a:p>
+            <a:pPr algn="ctr">
+              <a:buNone/>
+            </a:pPr>
+            <a:endParaRPr lang="en-US" dirty="0" smtClean="0"/>
+          </a:p>
+          <a:p>
+            <a:pPr algn="ctr">
+              <a:buNone/>
+            </a:pPr>
+            <a:r>
+              <a:rPr lang="en-US" dirty="0" smtClean="0"/>
+              <a:t>Of course not :)</a:t>
+            </a:r>
+            <a:endParaRPr lang="en-US" dirty="0"/>
           </a:p>
         </p:txBody>
       </p:sp>
@@ -7093,7 +7047,7 @@
   <p:clrMapOvr>
     <a:masterClrMapping/>
   </p:clrMapOvr>
-  <p:transition advTm="71079"/>
+  <p:transition advTm="4329"/>
   <p:timing>
     <p:tnLst>
       <p:par>
@@ -7171,9 +7125,10 @@
               <a:buNone/>
             </a:pPr>
             <a:r>
-              <a:rPr lang="en-US" dirty="0" smtClean="0"/>
-              <a:t>LINQ… still not fully supported</a:t>
-            </a:r>
+              <a:rPr lang="en-US" sz="4400" dirty="0" smtClean="0"/>
+              <a:t>Second Level Cache</a:t>
+            </a:r>
+            <a:endParaRPr lang="en-US" sz="4400" dirty="0"/>
           </a:p>
         </p:txBody>
       </p:sp>
@@ -7182,7 +7137,7 @@
   <p:clrMapOvr>
     <a:masterClrMapping/>
   </p:clrMapOvr>
-  <p:transition advTm="28640"/>
+  <p:transition advTm="9515"/>
   <p:timing>
     <p:tnLst>
       <p:par>
@@ -7261,7 +7216,24 @@
             </a:pPr>
             <a:r>
               <a:rPr lang="en-US" dirty="0" smtClean="0"/>
-              <a:t>Wouldn’t it be great if we could execute multiple queries in only one database roundtrip?</a:t>
+              <a:t>Second Level Cache data is available to </a:t>
+            </a:r>
+          </a:p>
+          <a:p>
+            <a:pPr algn="ctr">
+              <a:buNone/>
+            </a:pPr>
+            <a:r>
+              <a:rPr lang="en-US" b="1" dirty="0" smtClean="0">
+                <a:solidFill>
+                  <a:srgbClr val="FF0000"/>
+                </a:solidFill>
+              </a:rPr>
+              <a:t>all</a:t>
+            </a:r>
+            <a:r>
+              <a:rPr lang="en-US" dirty="0" smtClean="0"/>
+              <a:t> sessions</a:t>
             </a:r>
             <a:endParaRPr lang="en-US" dirty="0"/>
           </a:p>
@@ -7272,7 +7244,7 @@
   <p:clrMapOvr>
     <a:masterClrMapping/>
   </p:clrMapOvr>
-  <p:transition advTm="45000"/>
+  <p:transition advTm="19922"/>
   <p:timing>
     <p:tnLst>
       <p:par>
@@ -7445,10 +7417,10 @@
               <a:buNone/>
             </a:pPr>
             <a:r>
-              <a:rPr lang="en-US" sz="4400" dirty="0" smtClean="0"/>
-              <a:t>Future Queries</a:t>
-            </a:r>
-            <a:endParaRPr lang="en-US" sz="4400" dirty="0"/>
+              <a:rPr lang="en-US" dirty="0" smtClean="0"/>
+              <a:t>We can cache entity instances…</a:t>
+            </a:r>
+            <a:endParaRPr lang="en-US" dirty="0"/>
           </a:p>
         </p:txBody>
       </p:sp>
@@ -7457,7 +7429,7 @@
   <p:clrMapOvr>
     <a:masterClrMapping/>
   </p:clrMapOvr>
-  <p:transition advTm="51359"/>
+  <p:transition advTm="9906"/>
   <p:timing>
     <p:tnLst>
       <p:par>
@@ -7471,20 +7443,6 @@
 <file path=ppt/slides/slide51.xml><?xml version="1.0" encoding="utf-8"?>
 <p:sld xmlns:a="http://schemas.openxmlformats.org/drawingml/2006/main" xmlns:r="http://schemas.openxmlformats.org/officeDocument/2006/relationships" xmlns:p="http://schemas.openxmlformats.org/presentationml/2006/main">
   <p:cSld>
-    <p:bg>
-      <p:bgPr>
-        <a:blipFill dpi="0" rotWithShape="1">
-          <a:blip r:embed="rId2">
-            <a:lum/>
-          </a:blip>
-          <a:srcRect/>
-          <a:stretch>
-            <a:fillRect/>
-          </a:stretch>
-        </a:blipFill>
-        <a:effectLst/>
-      </p:bgPr>
-    </p:bg>
     <p:spTree>
       <p:nvGrpSpPr>
         <p:cNvPr id="1" name=""/>
@@ -7536,6 +7494,22 @@
             <a:pPr>
               <a:buNone/>
             </a:pPr>
+            <a:endParaRPr lang="en-US" dirty="0" smtClean="0"/>
+          </a:p>
+          <a:p>
+            <a:pPr>
+              <a:buNone/>
+            </a:pPr>
+            <a:endParaRPr lang="en-US" dirty="0" smtClean="0"/>
+          </a:p>
+          <a:p>
+            <a:pPr algn="ctr">
+              <a:buNone/>
+            </a:pPr>
+            <a:r>
+              <a:rPr lang="en-US" dirty="0" smtClean="0"/>
+              <a:t>But we can also cache the results of queries…</a:t>
+            </a:r>
             <a:endParaRPr lang="en-US" dirty="0"/>
           </a:p>
         </p:txBody>
@@ -7545,7 +7519,7 @@
   <p:clrMapOvr>
     <a:masterClrMapping/>
   </p:clrMapOvr>
-  <p:transition advTm="55984"/>
+  <p:transition advTm="29328"/>
   <p:timing>
     <p:tnLst>
       <p:par>
@@ -7559,20 +7533,6 @@
 <file path=ppt/slides/slide52.xml><?xml version="1.0" encoding="utf-8"?>
 <p:sld xmlns:a="http://schemas.openxmlformats.org/drawingml/2006/main" xmlns:r="http://schemas.openxmlformats.org/officeDocument/2006/relationships" xmlns:p="http://schemas.openxmlformats.org/presentationml/2006/main">
   <p:cSld>
-    <p:bg>
-      <p:bgPr>
-        <a:blipFill dpi="0" rotWithShape="1">
-          <a:blip r:embed="rId2">
-            <a:lum/>
-          </a:blip>
-          <a:srcRect/>
-          <a:stretch>
-            <a:fillRect/>
-          </a:stretch>
-        </a:blipFill>
-        <a:effectLst/>
-      </p:bgPr>
-    </p:bg>
     <p:spTree>
       <p:nvGrpSpPr>
         <p:cNvPr id="1" name=""/>
@@ -7624,6 +7584,22 @@
             <a:pPr>
               <a:buNone/>
             </a:pPr>
+            <a:endParaRPr lang="en-US" dirty="0" smtClean="0"/>
+          </a:p>
+          <a:p>
+            <a:pPr>
+              <a:buNone/>
+            </a:pPr>
+            <a:endParaRPr lang="en-US" dirty="0" smtClean="0"/>
+          </a:p>
+          <a:p>
+            <a:pPr algn="ctr">
+              <a:buNone/>
+            </a:pPr>
+            <a:r>
+              <a:rPr lang="en-US" dirty="0" smtClean="0"/>
+              <a:t>This is ideal for static (reference) data or even data that doesn’t change frequently</a:t>
+            </a:r>
             <a:endParaRPr lang="en-US" dirty="0"/>
           </a:p>
         </p:txBody>
@@ -7633,7 +7609,7 @@
   <p:clrMapOvr>
     <a:masterClrMapping/>
   </p:clrMapOvr>
-  <p:transition advTm="15187"/>
+  <p:transition advTm="24750"/>
   <p:timing>
     <p:tnLst>
       <p:par>
@@ -7712,7 +7688,7 @@
             </a:pPr>
             <a:r>
               <a:rPr lang="en-US" dirty="0" smtClean="0"/>
-              <a:t>Can we efficiently update multiple records in one roundtrip as well?</a:t>
+              <a:t>How does the cache deal with modified data, though?</a:t>
             </a:r>
             <a:endParaRPr lang="en-US" dirty="0"/>
           </a:p>
@@ -7723,7 +7699,7 @@
   <p:clrMapOvr>
     <a:masterClrMapping/>
   </p:clrMapOvr>
-  <p:transition advTm="27250"/>
+  <p:transition advTm="28407"/>
   <p:timing>
     <p:tnLst>
       <p:par>
@@ -7766,7 +7742,7 @@
           <a:bodyPr/>
           <a:lstStyle/>
           <a:p>
-            <a:endParaRPr lang="en-US" dirty="0"/>
+            <a:endParaRPr lang="en-US"/>
           </a:p>
         </p:txBody>
       </p:sp>
@@ -7802,15 +7778,19 @@
             </a:pPr>
             <a:r>
               <a:rPr lang="en-US" dirty="0" smtClean="0"/>
-              <a:t>As of </a:t>
-            </a:r>
-            <a:r>
-              <a:rPr lang="en-US" dirty="0" err="1" smtClean="0"/>
-              <a:t>NHibernate</a:t>
+              <a:t>We’ll update the database </a:t>
+            </a:r>
+            <a:r>
+              <a:rPr lang="en-US" b="1" dirty="0" smtClean="0">
+                <a:solidFill>
+                  <a:srgbClr val="FF0000"/>
+                </a:solidFill>
+              </a:rPr>
+              <a:t>and</a:t>
             </a:r>
             <a:r>
               <a:rPr lang="en-US" dirty="0" smtClean="0"/>
-              <a:t> 2.1, we can do this with some new HQL statements</a:t>
+              <a:t> the cache</a:t>
             </a:r>
             <a:endParaRPr lang="en-US" dirty="0"/>
           </a:p>
@@ -7821,7 +7801,7 @@
   <p:clrMapOvr>
     <a:masterClrMapping/>
   </p:clrMapOvr>
-  <p:transition advTm="16156"/>
+  <p:transition advTm="8094"/>
   <p:timing>
     <p:tnLst>
       <p:par>
@@ -7899,10 +7879,13 @@
               <a:buNone/>
             </a:pPr>
             <a:r>
-              <a:rPr lang="en-US" sz="4400" dirty="0" smtClean="0"/>
-              <a:t>Data Modification With HQL</a:t>
-            </a:r>
-            <a:endParaRPr lang="en-US" sz="4400" dirty="0"/>
+              <a:rPr lang="en-US" dirty="0" err="1" smtClean="0"/>
+              <a:t>NHibernate</a:t>
+            </a:r>
+            <a:r>
+              <a:rPr lang="en-US" dirty="0" smtClean="0"/>
+              <a:t> will never cache anything in the Second Level Cache automatically</a:t>
+            </a:r>
           </a:p>
         </p:txBody>
       </p:sp>
@@ -7911,7 +7894,7 @@
   <p:clrMapOvr>
     <a:masterClrMapping/>
   </p:clrMapOvr>
-  <p:transition advTm="9562"/>
+  <p:transition advTm="24360"/>
   <p:timing>
     <p:tnLst>
       <p:par>
@@ -7925,20 +7908,6 @@
 <file path=ppt/slides/slide56.xml><?xml version="1.0" encoding="utf-8"?>
 <p:sld xmlns:a="http://schemas.openxmlformats.org/drawingml/2006/main" xmlns:r="http://schemas.openxmlformats.org/officeDocument/2006/relationships" xmlns:p="http://schemas.openxmlformats.org/presentationml/2006/main">
   <p:cSld>
-    <p:bg>
-      <p:bgPr>
-        <a:blipFill dpi="0" rotWithShape="1">
-          <a:blip r:embed="rId2">
-            <a:lum/>
-          </a:blip>
-          <a:srcRect/>
-          <a:stretch>
-            <a:fillRect/>
-          </a:stretch>
-        </a:blipFill>
-        <a:effectLst/>
-      </p:bgPr>
-    </p:bg>
     <p:spTree>
       <p:nvGrpSpPr>
         <p:cNvPr id="1" name=""/>
@@ -7990,6 +7959,22 @@
             <a:pPr>
               <a:buNone/>
             </a:pPr>
+            <a:endParaRPr lang="en-US" dirty="0" smtClean="0"/>
+          </a:p>
+          <a:p>
+            <a:pPr>
+              <a:buNone/>
+            </a:pPr>
+            <a:endParaRPr lang="en-US" dirty="0" smtClean="0"/>
+          </a:p>
+          <a:p>
+            <a:pPr algn="ctr">
+              <a:buNone/>
+            </a:pPr>
+            <a:r>
+              <a:rPr lang="en-US" dirty="0" smtClean="0"/>
+              <a:t>It needs to be configured on a per-entity and per-query basis</a:t>
+            </a:r>
             <a:endParaRPr lang="en-US" dirty="0"/>
           </a:p>
         </p:txBody>
@@ -7999,7 +7984,7 @@
   <p:clrMapOvr>
     <a:masterClrMapping/>
   </p:clrMapOvr>
-  <p:transition advTm="112891"/>
+  <p:transition advTm="15969"/>
   <p:timing>
     <p:tnLst>
       <p:par>
@@ -8078,7 +8063,19 @@
             </a:pPr>
             <a:r>
               <a:rPr lang="en-US" dirty="0" smtClean="0"/>
-              <a:t>What about caching? Do we need to do that manually?</a:t>
+              <a:t>All the caching power you want, </a:t>
+            </a:r>
+            <a:r>
+              <a:rPr lang="en-US" b="1" dirty="0" smtClean="0">
+                <a:solidFill>
+                  <a:srgbClr val="FF0000"/>
+                </a:solidFill>
+              </a:rPr>
+              <a:t>without</a:t>
+            </a:r>
+            <a:r>
+              <a:rPr lang="en-US" dirty="0" smtClean="0"/>
+              <a:t> having to pollute your code</a:t>
             </a:r>
             <a:endParaRPr lang="en-US" dirty="0"/>
           </a:p>
@@ -8089,7 +8086,7 @@
   <p:clrMapOvr>
     <a:masterClrMapping/>
   </p:clrMapOvr>
-  <p:transition advTm="32672"/>
+  <p:transition advTm="13187"/>
   <p:timing>
     <p:tnLst>
       <p:par>
@@ -8157,18 +8154,18 @@
             <a:endParaRPr lang="en-US" dirty="0" smtClean="0"/>
           </a:p>
           <a:p>
+            <a:pPr>
+              <a:buNone/>
+            </a:pPr>
+            <a:endParaRPr lang="en-US" dirty="0" smtClean="0"/>
+          </a:p>
+          <a:p>
             <a:pPr algn="ctr">
               <a:buNone/>
             </a:pPr>
-            <a:endParaRPr lang="en-US" dirty="0" smtClean="0"/>
-          </a:p>
-          <a:p>
-            <a:pPr algn="ctr">
-              <a:buNone/>
-            </a:pPr>
             <a:r>
               <a:rPr lang="en-US" dirty="0" smtClean="0"/>
-              <a:t>Of course not :)</a:t>
+              <a:t>Only use this for data that doesn’t change frequently though</a:t>
             </a:r>
             <a:endParaRPr lang="en-US" dirty="0"/>
           </a:p>
@@ -8179,7 +8176,7 @@
   <p:clrMapOvr>
     <a:masterClrMapping/>
   </p:clrMapOvr>
-  <p:transition advTm="4329"/>
+  <p:transition advTm="49437"/>
   <p:timing>
     <p:tnLst>
       <p:par>
@@ -8257,10 +8254,10 @@
               <a:buNone/>
             </a:pPr>
             <a:r>
-              <a:rPr lang="en-US" sz="4400" dirty="0" smtClean="0"/>
-              <a:t>Second Level Cache</a:t>
-            </a:r>
-            <a:endParaRPr lang="en-US" sz="4400" dirty="0"/>
+              <a:rPr lang="en-US" dirty="0" smtClean="0"/>
+              <a:t>But where is the cache’s data stored?</a:t>
+            </a:r>
+            <a:endParaRPr lang="en-US" dirty="0"/>
           </a:p>
         </p:txBody>
       </p:sp>
@@ -8269,7 +8266,7 @@
   <p:clrMapOvr>
     <a:masterClrMapping/>
   </p:clrMapOvr>
-  <p:transition advTm="9515"/>
+  <p:transition advTm="11609"/>
   <p:timing>
     <p:tnLst>
       <p:par>
@@ -8443,33 +8440,15 @@
             </a:pPr>
             <a:r>
               <a:rPr lang="en-US" dirty="0" smtClean="0"/>
-              <a:t>Second Level Cache data is </a:t>
+              <a:t>That’s up to you… multiple providers are available: ASP.NET cache, </a:t>
+            </a:r>
+            <a:r>
+              <a:rPr lang="en-US" dirty="0" err="1" smtClean="0"/>
+              <a:t>MemCached</a:t>
             </a:r>
             <a:r>
               <a:rPr lang="en-US" dirty="0" smtClean="0"/>
-              <a:t>available to </a:t>
-            </a:r>
-            <a:endParaRPr lang="en-US" dirty="0" smtClean="0"/>
-          </a:p>
-          <a:p>
-            <a:pPr algn="ctr">
-              <a:buNone/>
-            </a:pPr>
-            <a:r>
-              <a:rPr lang="en-US" b="1" dirty="0" smtClean="0">
-                <a:solidFill>
-                  <a:srgbClr val="FF0000"/>
-                </a:solidFill>
-              </a:rPr>
-              <a:t>all</a:t>
-            </a:r>
-            <a:r>
-              <a:rPr lang="en-US" dirty="0" smtClean="0"/>
-              <a:t> </a:t>
-            </a:r>
-            <a:r>
-              <a:rPr lang="en-US" dirty="0" smtClean="0"/>
-              <a:t>sessions</a:t>
+              <a:t>, Velocity, Prevalence, …</a:t>
             </a:r>
             <a:endParaRPr lang="en-US" dirty="0"/>
           </a:p>
@@ -8480,7 +8459,7 @@
   <p:clrMapOvr>
     <a:masterClrMapping/>
   </p:clrMapOvr>
-  <p:transition advTm="19922"/>
+  <p:transition advTm="43718"/>
   <p:timing>
     <p:tnLst>
       <p:par>
@@ -8559,7 +8538,7 @@
             </a:pPr>
             <a:r>
               <a:rPr lang="en-US" dirty="0" smtClean="0"/>
-              <a:t>We can cache entity instances…</a:t>
+              <a:t>At this point, I’m almost running out of time and there is a lot more interesting stuff that we won’t get to cover.</a:t>
             </a:r>
             <a:endParaRPr lang="en-US" dirty="0"/>
           </a:p>
@@ -8570,7 +8549,7 @@
   <p:clrMapOvr>
     <a:masterClrMapping/>
   </p:clrMapOvr>
-  <p:transition advTm="9906"/>
+  <p:transition advTm="16000"/>
   <p:timing>
     <p:tnLst>
       <p:par>
@@ -8584,20 +8563,6 @@
 <file path=ppt/slides/slide62.xml><?xml version="1.0" encoding="utf-8"?>
 <p:sld xmlns:a="http://schemas.openxmlformats.org/drawingml/2006/main" xmlns:r="http://schemas.openxmlformats.org/officeDocument/2006/relationships" xmlns:p="http://schemas.openxmlformats.org/presentationml/2006/main">
   <p:cSld>
-    <p:bg>
-      <p:bgPr>
-        <a:blipFill dpi="0" rotWithShape="1">
-          <a:blip r:embed="rId2">
-            <a:lum/>
-          </a:blip>
-          <a:srcRect/>
-          <a:stretch>
-            <a:fillRect/>
-          </a:stretch>
-        </a:blipFill>
-        <a:effectLst/>
-      </p:bgPr>
-    </p:bg>
     <p:spTree>
       <p:nvGrpSpPr>
         <p:cNvPr id="1" name=""/>
@@ -8649,6 +8614,22 @@
             <a:pPr>
               <a:buNone/>
             </a:pPr>
+            <a:endParaRPr lang="en-US" dirty="0" smtClean="0"/>
+          </a:p>
+          <a:p>
+            <a:pPr>
+              <a:buNone/>
+            </a:pPr>
+            <a:endParaRPr lang="en-US" dirty="0" smtClean="0"/>
+          </a:p>
+          <a:p>
+            <a:pPr algn="ctr">
+              <a:buNone/>
+            </a:pPr>
+            <a:r>
+              <a:rPr lang="en-US" dirty="0" smtClean="0"/>
+              <a:t>Like optimistic concurrency strategies…</a:t>
+            </a:r>
             <a:endParaRPr lang="en-US" dirty="0"/>
           </a:p>
         </p:txBody>
@@ -8658,7 +8639,7 @@
   <p:clrMapOvr>
     <a:masterClrMapping/>
   </p:clrMapOvr>
-  <p:transition advTm="30359"/>
+  <p:transition advTm="18016"/>
   <p:timing>
     <p:tnLst>
       <p:par>
@@ -8672,20 +8653,6 @@
 <file path=ppt/slides/slide63.xml><?xml version="1.0" encoding="utf-8"?>
 <p:sld xmlns:a="http://schemas.openxmlformats.org/drawingml/2006/main" xmlns:r="http://schemas.openxmlformats.org/officeDocument/2006/relationships" xmlns:p="http://schemas.openxmlformats.org/presentationml/2006/main">
   <p:cSld>
-    <p:bg>
-      <p:bgPr>
-        <a:blipFill dpi="0" rotWithShape="1">
-          <a:blip r:embed="rId2">
-            <a:lum/>
-          </a:blip>
-          <a:srcRect/>
-          <a:stretch>
-            <a:fillRect/>
-          </a:stretch>
-        </a:blipFill>
-        <a:effectLst/>
-      </p:bgPr>
-    </p:bg>
     <p:spTree>
       <p:nvGrpSpPr>
         <p:cNvPr id="1" name=""/>
@@ -8734,7 +8701,30 @@
           <a:bodyPr/>
           <a:lstStyle/>
           <a:p>
-            <a:endParaRPr lang="en-US"/>
+            <a:pPr>
+              <a:buNone/>
+            </a:pPr>
+            <a:endParaRPr lang="en-US" dirty="0" smtClean="0"/>
+          </a:p>
+          <a:p>
+            <a:pPr>
+              <a:buNone/>
+            </a:pPr>
+            <a:endParaRPr lang="en-US" dirty="0" smtClean="0"/>
+          </a:p>
+          <a:p>
+            <a:pPr algn="ctr">
+              <a:buNone/>
+            </a:pPr>
+            <a:r>
+              <a:rPr lang="en-US" dirty="0" smtClean="0"/>
+              <a:t>Or pessimistic </a:t>
+            </a:r>
+            <a:r>
+              <a:rPr lang="en-US" smtClean="0"/>
+              <a:t>locking strategies…</a:t>
+            </a:r>
+            <a:endParaRPr lang="en-US" dirty="0"/>
           </a:p>
         </p:txBody>
       </p:sp>
@@ -8743,7 +8733,7 @@
   <p:clrMapOvr>
     <a:masterClrMapping/>
   </p:clrMapOvr>
-  <p:transition advTm="26250"/>
+  <p:transition advTm="6156"/>
   <p:timing>
     <p:tnLst>
       <p:par>
@@ -8822,9 +8812,8 @@
             </a:pPr>
             <a:r>
               <a:rPr lang="en-US" dirty="0" smtClean="0"/>
-              <a:t>But we can also cache the results of queries…</a:t>
-            </a:r>
-            <a:endParaRPr lang="en-US" dirty="0"/>
+              <a:t>Or the various identifier strategies…</a:t>
+            </a:r>
           </a:p>
         </p:txBody>
       </p:sp>
@@ -8833,7 +8822,7 @@
   <p:clrMapOvr>
     <a:masterClrMapping/>
   </p:clrMapOvr>
-  <p:transition advTm="29328"/>
+  <p:transition advTm="22109"/>
   <p:timing>
     <p:tnLst>
       <p:par>
@@ -8847,20 +8836,6 @@
 <file path=ppt/slides/slide65.xml><?xml version="1.0" encoding="utf-8"?>
 <p:sld xmlns:a="http://schemas.openxmlformats.org/drawingml/2006/main" xmlns:r="http://schemas.openxmlformats.org/officeDocument/2006/relationships" xmlns:p="http://schemas.openxmlformats.org/presentationml/2006/main">
   <p:cSld>
-    <p:bg>
-      <p:bgPr>
-        <a:blipFill dpi="0" rotWithShape="1">
-          <a:blip r:embed="rId2">
-            <a:lum/>
-          </a:blip>
-          <a:srcRect/>
-          <a:stretch>
-            <a:fillRect/>
-          </a:stretch>
-        </a:blipFill>
-        <a:effectLst/>
-      </p:bgPr>
-    </p:bg>
     <p:spTree>
       <p:nvGrpSpPr>
         <p:cNvPr id="1" name=""/>
@@ -8912,6 +8887,22 @@
             <a:pPr>
               <a:buNone/>
             </a:pPr>
+            <a:endParaRPr lang="en-US" dirty="0" smtClean="0"/>
+          </a:p>
+          <a:p>
+            <a:pPr>
+              <a:buNone/>
+            </a:pPr>
+            <a:endParaRPr lang="en-US" dirty="0" smtClean="0"/>
+          </a:p>
+          <a:p>
+            <a:pPr algn="ctr">
+              <a:buNone/>
+            </a:pPr>
+            <a:r>
+              <a:rPr lang="en-US" dirty="0" smtClean="0"/>
+              <a:t>Or the various inheritance strategies…</a:t>
+            </a:r>
             <a:endParaRPr lang="en-US" dirty="0"/>
           </a:p>
         </p:txBody>
@@ -8921,7 +8912,7 @@
   <p:clrMapOvr>
     <a:masterClrMapping/>
   </p:clrMapOvr>
-  <p:transition advTm="54734"/>
+  <p:transition advTm="21406"/>
   <p:timing>
     <p:tnLst>
       <p:par>
@@ -9000,7 +8991,7 @@
             </a:pPr>
             <a:r>
               <a:rPr lang="en-US" dirty="0" smtClean="0"/>
-              <a:t>This is ideal for static (reference) data or even data that doesn’t change frequently</a:t>
+              <a:t>Or how automatic dirty tracking works…</a:t>
             </a:r>
             <a:endParaRPr lang="en-US" dirty="0"/>
           </a:p>
@@ -9011,7 +9002,7 @@
   <p:clrMapOvr>
     <a:masterClrMapping/>
   </p:clrMapOvr>
-  <p:transition advTm="24750"/>
+  <p:transition advTm="6453"/>
   <p:timing>
     <p:tnLst>
       <p:par>
@@ -9090,7 +9081,7 @@
             </a:pPr>
             <a:r>
               <a:rPr lang="en-US" dirty="0" smtClean="0"/>
-              <a:t>How does the cache deal with modified data, though?</a:t>
+              <a:t>Or how you can implement your own dirty tracking…</a:t>
             </a:r>
             <a:endParaRPr lang="en-US" dirty="0"/>
           </a:p>
@@ -9101,7 +9092,6 @@
   <p:clrMapOvr>
     <a:masterClrMapping/>
   </p:clrMapOvr>
-  <p:transition advTm="28407"/>
   <p:timing>
     <p:tnLst>
       <p:par>
@@ -9180,19 +9170,7 @@
             </a:pPr>
             <a:r>
               <a:rPr lang="en-US" dirty="0" smtClean="0"/>
-              <a:t>We’ll update the database </a:t>
-            </a:r>
-            <a:r>
-              <a:rPr lang="en-US" b="1" dirty="0" smtClean="0">
-                <a:solidFill>
-                  <a:srgbClr val="FF0000"/>
-                </a:solidFill>
-              </a:rPr>
-              <a:t>and</a:t>
-            </a:r>
-            <a:r>
-              <a:rPr lang="en-US" dirty="0" smtClean="0"/>
-              <a:t> the cache</a:t>
+              <a:t>Or custom user types…</a:t>
             </a:r>
             <a:endParaRPr lang="en-US" dirty="0"/>
           </a:p>
@@ -9203,7 +9181,7 @@
   <p:clrMapOvr>
     <a:masterClrMapping/>
   </p:clrMapOvr>
-  <p:transition advTm="8094"/>
+  <p:transition advTm="3906"/>
   <p:timing>
     <p:tnLst>
       <p:par>
@@ -9217,20 +9195,6 @@
 <file path=ppt/slides/slide69.xml><?xml version="1.0" encoding="utf-8"?>
 <p:sld xmlns:a="http://schemas.openxmlformats.org/drawingml/2006/main" xmlns:r="http://schemas.openxmlformats.org/officeDocument/2006/relationships" xmlns:p="http://schemas.openxmlformats.org/presentationml/2006/main">
   <p:cSld>
-    <p:bg>
-      <p:bgPr>
-        <a:blipFill dpi="0" rotWithShape="1">
-          <a:blip r:embed="rId2">
-            <a:lum/>
-          </a:blip>
-          <a:srcRect/>
-          <a:stretch>
-            <a:fillRect/>
-          </a:stretch>
-        </a:blipFill>
-        <a:effectLst/>
-      </p:bgPr>
-    </p:bg>
     <p:spTree>
       <p:nvGrpSpPr>
         <p:cNvPr id="1" name=""/>
@@ -9282,6 +9246,22 @@
             <a:pPr>
               <a:buNone/>
             </a:pPr>
+            <a:endParaRPr lang="en-US" dirty="0" smtClean="0"/>
+          </a:p>
+          <a:p>
+            <a:pPr>
+              <a:buNone/>
+            </a:pPr>
+            <a:endParaRPr lang="en-US" dirty="0" smtClean="0"/>
+          </a:p>
+          <a:p>
+            <a:pPr algn="ctr">
+              <a:buNone/>
+            </a:pPr>
+            <a:r>
+              <a:rPr lang="en-US" dirty="0" smtClean="0"/>
+              <a:t>Or how to deal with entities that were detached from the session…</a:t>
+            </a:r>
             <a:endParaRPr lang="en-US" dirty="0"/>
           </a:p>
         </p:txBody>
@@ -9291,7 +9271,7 @@
   <p:clrMapOvr>
     <a:masterClrMapping/>
   </p:clrMapOvr>
-  <p:transition advTm="7531"/>
+  <p:transition advTm="12125"/>
   <p:timing>
     <p:tnLst>
       <p:par>
@@ -9399,20 +9379,6 @@
 <file path=ppt/slides/slide70.xml><?xml version="1.0" encoding="utf-8"?>
 <p:sld xmlns:a="http://schemas.openxmlformats.org/drawingml/2006/main" xmlns:r="http://schemas.openxmlformats.org/officeDocument/2006/relationships" xmlns:p="http://schemas.openxmlformats.org/presentationml/2006/main">
   <p:cSld>
-    <p:bg>
-      <p:bgPr>
-        <a:blipFill dpi="0" rotWithShape="1">
-          <a:blip r:embed="rId2">
-            <a:lum/>
-          </a:blip>
-          <a:srcRect/>
-          <a:stretch>
-            <a:fillRect/>
-          </a:stretch>
-        </a:blipFill>
-        <a:effectLst/>
-      </p:bgPr>
-    </p:bg>
     <p:spTree>
       <p:nvGrpSpPr>
         <p:cNvPr id="1" name=""/>
@@ -9461,7 +9427,26 @@
           <a:bodyPr/>
           <a:lstStyle/>
           <a:p>
-            <a:endParaRPr lang="en-US"/>
+            <a:pPr>
+              <a:buNone/>
+            </a:pPr>
+            <a:endParaRPr lang="en-US" dirty="0" smtClean="0"/>
+          </a:p>
+          <a:p>
+            <a:pPr>
+              <a:buNone/>
+            </a:pPr>
+            <a:endParaRPr lang="en-US" dirty="0" smtClean="0"/>
+          </a:p>
+          <a:p>
+            <a:pPr algn="ctr">
+              <a:buNone/>
+            </a:pPr>
+            <a:r>
+              <a:rPr lang="en-US" dirty="0" smtClean="0"/>
+              <a:t>Or the generation of DDL scripts, for your specific database…</a:t>
+            </a:r>
+            <a:endParaRPr lang="en-US" dirty="0"/>
           </a:p>
         </p:txBody>
       </p:sp>
@@ -9470,7 +9455,7 @@
   <p:clrMapOvr>
     <a:masterClrMapping/>
   </p:clrMapOvr>
-  <p:transition advTm="55625"/>
+  <p:transition advTm="12906"/>
   <p:timing>
     <p:tnLst>
       <p:par>
@@ -9548,18 +9533,10 @@
               <a:buNone/>
             </a:pPr>
             <a:r>
-              <a:rPr lang="en-US" dirty="0" err="1" smtClean="0"/>
-              <a:t>NHibernate</a:t>
-            </a:r>
-            <a:r>
               <a:rPr lang="en-US" dirty="0" smtClean="0"/>
-              <a:t> will never cache </a:t>
-            </a:r>
-            <a:r>
-              <a:rPr lang="en-US" dirty="0" smtClean="0"/>
-              <a:t>anything in the Second Level Cache automatically</a:t>
-            </a:r>
-            <a:endParaRPr lang="en-US" dirty="0" smtClean="0"/>
+              <a:t>Or the various mapping strategies for complex domain models…</a:t>
+            </a:r>
+            <a:endParaRPr lang="en-US" dirty="0"/>
           </a:p>
         </p:txBody>
       </p:sp>
@@ -9568,7 +9545,7 @@
   <p:clrMapOvr>
     <a:masterClrMapping/>
   </p:clrMapOvr>
-  <p:transition advTm="24360"/>
+  <p:transition advTm="9531"/>
   <p:timing>
     <p:tnLst>
       <p:par>
@@ -9647,13 +9624,8 @@
             </a:pPr>
             <a:r>
               <a:rPr lang="en-US" dirty="0" smtClean="0"/>
-              <a:t>It </a:t>
-            </a:r>
-            <a:r>
-              <a:rPr lang="en-US" dirty="0" smtClean="0"/>
-              <a:t>needs to be configured on a per-entity and per-query basis</a:t>
-            </a:r>
-            <a:endParaRPr lang="en-US" dirty="0"/>
+              <a:t>We didn’t cover any of the many extensibility points either…</a:t>
+            </a:r>
           </a:p>
         </p:txBody>
       </p:sp>
@@ -9662,7 +9634,7 @@
   <p:clrMapOvr>
     <a:masterClrMapping/>
   </p:clrMapOvr>
-  <p:transition advTm="15969"/>
+  <p:transition advTm="14078"/>
   <p:timing>
     <p:tnLst>
       <p:par>
@@ -9741,31 +9713,7 @@
             </a:pPr>
             <a:r>
               <a:rPr lang="en-US" dirty="0" smtClean="0"/>
-              <a:t>A</a:t>
-            </a:r>
-            <a:r>
-              <a:rPr lang="en-US" dirty="0" smtClean="0"/>
-              <a:t>ll </a:t>
-            </a:r>
-            <a:r>
-              <a:rPr lang="en-US" dirty="0" smtClean="0"/>
-              <a:t>the caching power you want, </a:t>
-            </a:r>
-            <a:r>
-              <a:rPr lang="en-US" b="1" dirty="0" smtClean="0">
-                <a:solidFill>
-                  <a:srgbClr val="FF0000"/>
-                </a:solidFill>
-              </a:rPr>
-              <a:t>without</a:t>
-            </a:r>
-            <a:r>
-              <a:rPr lang="en-US" dirty="0" smtClean="0"/>
-              <a:t> having to pollute your </a:t>
-            </a:r>
-            <a:r>
-              <a:rPr lang="en-US" dirty="0" smtClean="0"/>
-              <a:t>code</a:t>
+              <a:t>Maybe some other time :)</a:t>
             </a:r>
             <a:endParaRPr lang="en-US" dirty="0"/>
           </a:p>
@@ -9776,7 +9724,7 @@
   <p:clrMapOvr>
     <a:masterClrMapping/>
   </p:clrMapOvr>
-  <p:transition advTm="13187"/>
+  <p:transition advTm="8343"/>
   <p:timing>
     <p:tnLst>
       <p:par>
@@ -9855,7 +9803,7 @@
             </a:pPr>
             <a:r>
               <a:rPr lang="en-US" dirty="0" smtClean="0"/>
-              <a:t>Only use this for data that doesn’t change frequently though</a:t>
+              <a:t>If you want to learn more, be sure to visit http://nhforge.org</a:t>
             </a:r>
             <a:endParaRPr lang="en-US" dirty="0"/>
           </a:p>
@@ -9866,7 +9814,7 @@
   <p:clrMapOvr>
     <a:masterClrMapping/>
   </p:clrMapOvr>
-  <p:transition advTm="49437"/>
+  <p:transition advTm="22703"/>
   <p:timing>
     <p:tnLst>
       <p:par>
@@ -9945,7 +9893,7 @@
             </a:pPr>
             <a:r>
               <a:rPr lang="en-US" dirty="0" smtClean="0"/>
-              <a:t>But where is the cache’s data stored?</a:t>
+              <a:t>Oh, and check out my blog if you liked this presentation: http://davybrion.com</a:t>
             </a:r>
             <a:endParaRPr lang="en-US" dirty="0"/>
           </a:p>
@@ -9956,7 +9904,7 @@
   <p:clrMapOvr>
     <a:masterClrMapping/>
   </p:clrMapOvr>
-  <p:transition advTm="11609"/>
+  <p:transition advTm="8344"/>
   <p:timing>
     <p:tnLst>
       <p:par>
@@ -10035,15 +9983,7 @@
             </a:pPr>
             <a:r>
               <a:rPr lang="en-US" dirty="0" smtClean="0"/>
-              <a:t>That’s up to you… multiple providers are available: ASP.NET cache, </a:t>
-            </a:r>
-            <a:r>
-              <a:rPr lang="en-US" dirty="0" err="1" smtClean="0"/>
-              <a:t>MemCached</a:t>
-            </a:r>
-            <a:r>
-              <a:rPr lang="en-US" dirty="0" smtClean="0"/>
-              <a:t>, Velocity, Prevalence, …</a:t>
+              <a:t>Questions?</a:t>
             </a:r>
             <a:endParaRPr lang="en-US" dirty="0"/>
           </a:p>
@@ -10054,289 +9994,7 @@
   <p:clrMapOvr>
     <a:masterClrMapping/>
   </p:clrMapOvr>
-  <p:transition advTm="43718"/>
-  <p:timing>
-    <p:tnLst>
-      <p:par>
-        <p:cTn id="1" dur="indefinite" restart="never" nodeType="tmRoot"/>
-      </p:par>
-    </p:tnLst>
-  </p:timing>
-</p:sld>
-</file>
-
-<file path=ppt/slides/slide77.xml><?xml version="1.0" encoding="utf-8"?>
-<p:sld xmlns:a="http://schemas.openxmlformats.org/drawingml/2006/main" xmlns:r="http://schemas.openxmlformats.org/officeDocument/2006/relationships" xmlns:p="http://schemas.openxmlformats.org/presentationml/2006/main">
-  <p:cSld>
-    <p:spTree>
-      <p:nvGrpSpPr>
-        <p:cNvPr id="1" name=""/>
-        <p:cNvGrpSpPr/>
-        <p:nvPr/>
-      </p:nvGrpSpPr>
-      <p:grpSpPr>
-        <a:xfrm>
-          <a:off x="0" y="0"/>
-          <a:ext cx="0" cy="0"/>
-          <a:chOff x="0" y="0"/>
-          <a:chExt cx="0" cy="0"/>
-        </a:xfrm>
-      </p:grpSpPr>
-      <p:sp>
-        <p:nvSpPr>
-          <p:cNvPr id="2" name="Title 1"/>
-          <p:cNvSpPr>
-            <a:spLocks noGrp="1"/>
-          </p:cNvSpPr>
-          <p:nvPr>
-            <p:ph type="title"/>
-          </p:nvPr>
-        </p:nvSpPr>
-        <p:spPr/>
-        <p:txBody>
-          <a:bodyPr/>
-          <a:lstStyle/>
-          <a:p>
-            <a:endParaRPr lang="en-US"/>
-          </a:p>
-        </p:txBody>
-      </p:sp>
-      <p:sp>
-        <p:nvSpPr>
-          <p:cNvPr id="3" name="Content Placeholder 2"/>
-          <p:cNvSpPr>
-            <a:spLocks noGrp="1"/>
-          </p:cNvSpPr>
-          <p:nvPr>
-            <p:ph idx="1"/>
-          </p:nvPr>
-        </p:nvSpPr>
-        <p:spPr/>
-        <p:txBody>
-          <a:bodyPr/>
-          <a:lstStyle/>
-          <a:p>
-            <a:pPr>
-              <a:buNone/>
-            </a:pPr>
-            <a:endParaRPr lang="en-US" dirty="0" smtClean="0"/>
-          </a:p>
-          <a:p>
-            <a:pPr>
-              <a:buNone/>
-            </a:pPr>
-            <a:endParaRPr lang="en-US" dirty="0" smtClean="0"/>
-          </a:p>
-          <a:p>
-            <a:pPr algn="ctr">
-              <a:buNone/>
-            </a:pPr>
-            <a:r>
-              <a:rPr lang="en-US" dirty="0" smtClean="0"/>
-              <a:t>At this point, I’m </a:t>
-            </a:r>
-            <a:r>
-              <a:rPr lang="en-US" dirty="0" smtClean="0"/>
-              <a:t>almost running </a:t>
-            </a:r>
-            <a:r>
-              <a:rPr lang="en-US" dirty="0" smtClean="0"/>
-              <a:t>out of time and there is a lot more interesting stuff that we won’t get to cover.</a:t>
-            </a:r>
-            <a:endParaRPr lang="en-US" dirty="0"/>
-          </a:p>
-        </p:txBody>
-      </p:sp>
-    </p:spTree>
-  </p:cSld>
-  <p:clrMapOvr>
-    <a:masterClrMapping/>
-  </p:clrMapOvr>
-  <p:transition advTm="16000"/>
-  <p:timing>
-    <p:tnLst>
-      <p:par>
-        <p:cTn id="1" dur="indefinite" restart="never" nodeType="tmRoot"/>
-      </p:par>
-    </p:tnLst>
-  </p:timing>
-</p:sld>
-</file>
-
-<file path=ppt/slides/slide78.xml><?xml version="1.0" encoding="utf-8"?>
-<p:sld xmlns:a="http://schemas.openxmlformats.org/drawingml/2006/main" xmlns:r="http://schemas.openxmlformats.org/officeDocument/2006/relationships" xmlns:p="http://schemas.openxmlformats.org/presentationml/2006/main">
-  <p:cSld>
-    <p:spTree>
-      <p:nvGrpSpPr>
-        <p:cNvPr id="1" name=""/>
-        <p:cNvGrpSpPr/>
-        <p:nvPr/>
-      </p:nvGrpSpPr>
-      <p:grpSpPr>
-        <a:xfrm>
-          <a:off x="0" y="0"/>
-          <a:ext cx="0" cy="0"/>
-          <a:chOff x="0" y="0"/>
-          <a:chExt cx="0" cy="0"/>
-        </a:xfrm>
-      </p:grpSpPr>
-      <p:sp>
-        <p:nvSpPr>
-          <p:cNvPr id="2" name="Title 1"/>
-          <p:cNvSpPr>
-            <a:spLocks noGrp="1"/>
-          </p:cNvSpPr>
-          <p:nvPr>
-            <p:ph type="title"/>
-          </p:nvPr>
-        </p:nvSpPr>
-        <p:spPr/>
-        <p:txBody>
-          <a:bodyPr/>
-          <a:lstStyle/>
-          <a:p>
-            <a:endParaRPr lang="en-US"/>
-          </a:p>
-        </p:txBody>
-      </p:sp>
-      <p:sp>
-        <p:nvSpPr>
-          <p:cNvPr id="3" name="Content Placeholder 2"/>
-          <p:cNvSpPr>
-            <a:spLocks noGrp="1"/>
-          </p:cNvSpPr>
-          <p:nvPr>
-            <p:ph idx="1"/>
-          </p:nvPr>
-        </p:nvSpPr>
-        <p:spPr/>
-        <p:txBody>
-          <a:bodyPr/>
-          <a:lstStyle/>
-          <a:p>
-            <a:pPr>
-              <a:buNone/>
-            </a:pPr>
-            <a:endParaRPr lang="en-US" dirty="0" smtClean="0"/>
-          </a:p>
-          <a:p>
-            <a:pPr>
-              <a:buNone/>
-            </a:pPr>
-            <a:endParaRPr lang="en-US" dirty="0" smtClean="0"/>
-          </a:p>
-          <a:p>
-            <a:pPr algn="ctr">
-              <a:buNone/>
-            </a:pPr>
-            <a:r>
-              <a:rPr lang="en-US" dirty="0" smtClean="0"/>
-              <a:t>Like optimistic concurrency strategies…</a:t>
-            </a:r>
-            <a:endParaRPr lang="en-US" dirty="0"/>
-          </a:p>
-        </p:txBody>
-      </p:sp>
-    </p:spTree>
-  </p:cSld>
-  <p:clrMapOvr>
-    <a:masterClrMapping/>
-  </p:clrMapOvr>
-  <p:transition advTm="18016"/>
-  <p:timing>
-    <p:tnLst>
-      <p:par>
-        <p:cTn id="1" dur="indefinite" restart="never" nodeType="tmRoot"/>
-      </p:par>
-    </p:tnLst>
-  </p:timing>
-</p:sld>
-</file>
-
-<file path=ppt/slides/slide79.xml><?xml version="1.0" encoding="utf-8"?>
-<p:sld xmlns:a="http://schemas.openxmlformats.org/drawingml/2006/main" xmlns:r="http://schemas.openxmlformats.org/officeDocument/2006/relationships" xmlns:p="http://schemas.openxmlformats.org/presentationml/2006/main">
-  <p:cSld>
-    <p:spTree>
-      <p:nvGrpSpPr>
-        <p:cNvPr id="1" name=""/>
-        <p:cNvGrpSpPr/>
-        <p:nvPr/>
-      </p:nvGrpSpPr>
-      <p:grpSpPr>
-        <a:xfrm>
-          <a:off x="0" y="0"/>
-          <a:ext cx="0" cy="0"/>
-          <a:chOff x="0" y="0"/>
-          <a:chExt cx="0" cy="0"/>
-        </a:xfrm>
-      </p:grpSpPr>
-      <p:sp>
-        <p:nvSpPr>
-          <p:cNvPr id="2" name="Title 1"/>
-          <p:cNvSpPr>
-            <a:spLocks noGrp="1"/>
-          </p:cNvSpPr>
-          <p:nvPr>
-            <p:ph type="title"/>
-          </p:nvPr>
-        </p:nvSpPr>
-        <p:spPr/>
-        <p:txBody>
-          <a:bodyPr/>
-          <a:lstStyle/>
-          <a:p>
-            <a:endParaRPr lang="en-US"/>
-          </a:p>
-        </p:txBody>
-      </p:sp>
-      <p:sp>
-        <p:nvSpPr>
-          <p:cNvPr id="3" name="Content Placeholder 2"/>
-          <p:cNvSpPr>
-            <a:spLocks noGrp="1"/>
-          </p:cNvSpPr>
-          <p:nvPr>
-            <p:ph idx="1"/>
-          </p:nvPr>
-        </p:nvSpPr>
-        <p:spPr/>
-        <p:txBody>
-          <a:bodyPr/>
-          <a:lstStyle/>
-          <a:p>
-            <a:pPr>
-              <a:buNone/>
-            </a:pPr>
-            <a:endParaRPr lang="en-US" dirty="0" smtClean="0"/>
-          </a:p>
-          <a:p>
-            <a:pPr>
-              <a:buNone/>
-            </a:pPr>
-            <a:endParaRPr lang="en-US" dirty="0" smtClean="0"/>
-          </a:p>
-          <a:p>
-            <a:pPr algn="ctr">
-              <a:buNone/>
-            </a:pPr>
-            <a:r>
-              <a:rPr lang="en-US" dirty="0" smtClean="0"/>
-              <a:t>Or pessimistic </a:t>
-            </a:r>
-            <a:r>
-              <a:rPr lang="en-US" smtClean="0"/>
-              <a:t>locking strategies…</a:t>
-            </a:r>
-            <a:endParaRPr lang="en-US" dirty="0"/>
-          </a:p>
-        </p:txBody>
-      </p:sp>
-    </p:spTree>
-  </p:cSld>
-  <p:clrMapOvr>
-    <a:masterClrMapping/>
-  </p:clrMapOvr>
-  <p:transition advTm="6156"/>
+  <p:transition advTm="10578"/>
   <p:timing>
     <p:tnLst>
       <p:par>
@@ -10415,11 +10073,7 @@
             </a:pPr>
             <a:r>
               <a:rPr lang="en-US" dirty="0" smtClean="0"/>
-              <a:t>It’s all about </a:t>
-            </a:r>
-            <a:r>
-              <a:rPr lang="en-US" dirty="0" smtClean="0"/>
-              <a:t>POCO</a:t>
+              <a:t>It’s all about POCO</a:t>
             </a:r>
             <a:endParaRPr lang="en-US" dirty="0"/>
           </a:p>
@@ -10431,903 +10085,6 @@
     <a:masterClrMapping/>
   </p:clrMapOvr>
   <p:transition advTm="18828"/>
-  <p:timing>
-    <p:tnLst>
-      <p:par>
-        <p:cTn id="1" dur="indefinite" restart="never" nodeType="tmRoot"/>
-      </p:par>
-    </p:tnLst>
-  </p:timing>
-</p:sld>
-</file>
-
-<file path=ppt/slides/slide80.xml><?xml version="1.0" encoding="utf-8"?>
-<p:sld xmlns:a="http://schemas.openxmlformats.org/drawingml/2006/main" xmlns:r="http://schemas.openxmlformats.org/officeDocument/2006/relationships" xmlns:p="http://schemas.openxmlformats.org/presentationml/2006/main">
-  <p:cSld>
-    <p:spTree>
-      <p:nvGrpSpPr>
-        <p:cNvPr id="1" name=""/>
-        <p:cNvGrpSpPr/>
-        <p:nvPr/>
-      </p:nvGrpSpPr>
-      <p:grpSpPr>
-        <a:xfrm>
-          <a:off x="0" y="0"/>
-          <a:ext cx="0" cy="0"/>
-          <a:chOff x="0" y="0"/>
-          <a:chExt cx="0" cy="0"/>
-        </a:xfrm>
-      </p:grpSpPr>
-      <p:sp>
-        <p:nvSpPr>
-          <p:cNvPr id="2" name="Title 1"/>
-          <p:cNvSpPr>
-            <a:spLocks noGrp="1"/>
-          </p:cNvSpPr>
-          <p:nvPr>
-            <p:ph type="title"/>
-          </p:nvPr>
-        </p:nvSpPr>
-        <p:spPr/>
-        <p:txBody>
-          <a:bodyPr/>
-          <a:lstStyle/>
-          <a:p>
-            <a:endParaRPr lang="en-US"/>
-          </a:p>
-        </p:txBody>
-      </p:sp>
-      <p:sp>
-        <p:nvSpPr>
-          <p:cNvPr id="3" name="Content Placeholder 2"/>
-          <p:cNvSpPr>
-            <a:spLocks noGrp="1"/>
-          </p:cNvSpPr>
-          <p:nvPr>
-            <p:ph idx="1"/>
-          </p:nvPr>
-        </p:nvSpPr>
-        <p:spPr/>
-        <p:txBody>
-          <a:bodyPr/>
-          <a:lstStyle/>
-          <a:p>
-            <a:pPr>
-              <a:buNone/>
-            </a:pPr>
-            <a:endParaRPr lang="en-US" dirty="0" smtClean="0"/>
-          </a:p>
-          <a:p>
-            <a:pPr>
-              <a:buNone/>
-            </a:pPr>
-            <a:endParaRPr lang="en-US" dirty="0" smtClean="0"/>
-          </a:p>
-          <a:p>
-            <a:pPr algn="ctr">
-              <a:buNone/>
-            </a:pPr>
-            <a:r>
-              <a:rPr lang="en-US" dirty="0" smtClean="0"/>
-              <a:t>Or the various identifier strategies…</a:t>
-            </a:r>
-          </a:p>
-        </p:txBody>
-      </p:sp>
-    </p:spTree>
-  </p:cSld>
-  <p:clrMapOvr>
-    <a:masterClrMapping/>
-  </p:clrMapOvr>
-  <p:transition advTm="22109"/>
-  <p:timing>
-    <p:tnLst>
-      <p:par>
-        <p:cTn id="1" dur="indefinite" restart="never" nodeType="tmRoot"/>
-      </p:par>
-    </p:tnLst>
-  </p:timing>
-</p:sld>
-</file>
-
-<file path=ppt/slides/slide81.xml><?xml version="1.0" encoding="utf-8"?>
-<p:sld xmlns:a="http://schemas.openxmlformats.org/drawingml/2006/main" xmlns:r="http://schemas.openxmlformats.org/officeDocument/2006/relationships" xmlns:p="http://schemas.openxmlformats.org/presentationml/2006/main">
-  <p:cSld>
-    <p:spTree>
-      <p:nvGrpSpPr>
-        <p:cNvPr id="1" name=""/>
-        <p:cNvGrpSpPr/>
-        <p:nvPr/>
-      </p:nvGrpSpPr>
-      <p:grpSpPr>
-        <a:xfrm>
-          <a:off x="0" y="0"/>
-          <a:ext cx="0" cy="0"/>
-          <a:chOff x="0" y="0"/>
-          <a:chExt cx="0" cy="0"/>
-        </a:xfrm>
-      </p:grpSpPr>
-      <p:sp>
-        <p:nvSpPr>
-          <p:cNvPr id="2" name="Title 1"/>
-          <p:cNvSpPr>
-            <a:spLocks noGrp="1"/>
-          </p:cNvSpPr>
-          <p:nvPr>
-            <p:ph type="title"/>
-          </p:nvPr>
-        </p:nvSpPr>
-        <p:spPr/>
-        <p:txBody>
-          <a:bodyPr/>
-          <a:lstStyle/>
-          <a:p>
-            <a:endParaRPr lang="en-US"/>
-          </a:p>
-        </p:txBody>
-      </p:sp>
-      <p:sp>
-        <p:nvSpPr>
-          <p:cNvPr id="3" name="Content Placeholder 2"/>
-          <p:cNvSpPr>
-            <a:spLocks noGrp="1"/>
-          </p:cNvSpPr>
-          <p:nvPr>
-            <p:ph idx="1"/>
-          </p:nvPr>
-        </p:nvSpPr>
-        <p:spPr/>
-        <p:txBody>
-          <a:bodyPr/>
-          <a:lstStyle/>
-          <a:p>
-            <a:pPr>
-              <a:buNone/>
-            </a:pPr>
-            <a:endParaRPr lang="en-US" dirty="0" smtClean="0"/>
-          </a:p>
-          <a:p>
-            <a:pPr>
-              <a:buNone/>
-            </a:pPr>
-            <a:endParaRPr lang="en-US" dirty="0" smtClean="0"/>
-          </a:p>
-          <a:p>
-            <a:pPr algn="ctr">
-              <a:buNone/>
-            </a:pPr>
-            <a:r>
-              <a:rPr lang="en-US" dirty="0" smtClean="0"/>
-              <a:t>Or the various inheritance strategies…</a:t>
-            </a:r>
-            <a:endParaRPr lang="en-US" dirty="0"/>
-          </a:p>
-        </p:txBody>
-      </p:sp>
-    </p:spTree>
-  </p:cSld>
-  <p:clrMapOvr>
-    <a:masterClrMapping/>
-  </p:clrMapOvr>
-  <p:transition advTm="21406"/>
-  <p:timing>
-    <p:tnLst>
-      <p:par>
-        <p:cTn id="1" dur="indefinite" restart="never" nodeType="tmRoot"/>
-      </p:par>
-    </p:tnLst>
-  </p:timing>
-</p:sld>
-</file>
-
-<file path=ppt/slides/slide82.xml><?xml version="1.0" encoding="utf-8"?>
-<p:sld xmlns:a="http://schemas.openxmlformats.org/drawingml/2006/main" xmlns:r="http://schemas.openxmlformats.org/officeDocument/2006/relationships" xmlns:p="http://schemas.openxmlformats.org/presentationml/2006/main">
-  <p:cSld>
-    <p:spTree>
-      <p:nvGrpSpPr>
-        <p:cNvPr id="1" name=""/>
-        <p:cNvGrpSpPr/>
-        <p:nvPr/>
-      </p:nvGrpSpPr>
-      <p:grpSpPr>
-        <a:xfrm>
-          <a:off x="0" y="0"/>
-          <a:ext cx="0" cy="0"/>
-          <a:chOff x="0" y="0"/>
-          <a:chExt cx="0" cy="0"/>
-        </a:xfrm>
-      </p:grpSpPr>
-      <p:sp>
-        <p:nvSpPr>
-          <p:cNvPr id="2" name="Title 1"/>
-          <p:cNvSpPr>
-            <a:spLocks noGrp="1"/>
-          </p:cNvSpPr>
-          <p:nvPr>
-            <p:ph type="title"/>
-          </p:nvPr>
-        </p:nvSpPr>
-        <p:spPr/>
-        <p:txBody>
-          <a:bodyPr/>
-          <a:lstStyle/>
-          <a:p>
-            <a:endParaRPr lang="en-US"/>
-          </a:p>
-        </p:txBody>
-      </p:sp>
-      <p:sp>
-        <p:nvSpPr>
-          <p:cNvPr id="3" name="Content Placeholder 2"/>
-          <p:cNvSpPr>
-            <a:spLocks noGrp="1"/>
-          </p:cNvSpPr>
-          <p:nvPr>
-            <p:ph idx="1"/>
-          </p:nvPr>
-        </p:nvSpPr>
-        <p:spPr/>
-        <p:txBody>
-          <a:bodyPr/>
-          <a:lstStyle/>
-          <a:p>
-            <a:pPr>
-              <a:buNone/>
-            </a:pPr>
-            <a:endParaRPr lang="en-US" dirty="0" smtClean="0"/>
-          </a:p>
-          <a:p>
-            <a:pPr>
-              <a:buNone/>
-            </a:pPr>
-            <a:endParaRPr lang="en-US" dirty="0" smtClean="0"/>
-          </a:p>
-          <a:p>
-            <a:pPr algn="ctr">
-              <a:buNone/>
-            </a:pPr>
-            <a:r>
-              <a:rPr lang="en-US" dirty="0" smtClean="0"/>
-              <a:t>Or how automatic dirty tracking works…</a:t>
-            </a:r>
-            <a:endParaRPr lang="en-US" dirty="0"/>
-          </a:p>
-        </p:txBody>
-      </p:sp>
-    </p:spTree>
-  </p:cSld>
-  <p:clrMapOvr>
-    <a:masterClrMapping/>
-  </p:clrMapOvr>
-  <p:transition advTm="6453"/>
-  <p:timing>
-    <p:tnLst>
-      <p:par>
-        <p:cTn id="1" dur="indefinite" restart="never" nodeType="tmRoot"/>
-      </p:par>
-    </p:tnLst>
-  </p:timing>
-</p:sld>
-</file>
-
-<file path=ppt/slides/slide83.xml><?xml version="1.0" encoding="utf-8"?>
-<p:sld xmlns:a="http://schemas.openxmlformats.org/drawingml/2006/main" xmlns:r="http://schemas.openxmlformats.org/officeDocument/2006/relationships" xmlns:p="http://schemas.openxmlformats.org/presentationml/2006/main">
-  <p:cSld>
-    <p:spTree>
-      <p:nvGrpSpPr>
-        <p:cNvPr id="1" name=""/>
-        <p:cNvGrpSpPr/>
-        <p:nvPr/>
-      </p:nvGrpSpPr>
-      <p:grpSpPr>
-        <a:xfrm>
-          <a:off x="0" y="0"/>
-          <a:ext cx="0" cy="0"/>
-          <a:chOff x="0" y="0"/>
-          <a:chExt cx="0" cy="0"/>
-        </a:xfrm>
-      </p:grpSpPr>
-      <p:sp>
-        <p:nvSpPr>
-          <p:cNvPr id="2" name="Title 1"/>
-          <p:cNvSpPr>
-            <a:spLocks noGrp="1"/>
-          </p:cNvSpPr>
-          <p:nvPr>
-            <p:ph type="title"/>
-          </p:nvPr>
-        </p:nvSpPr>
-        <p:spPr/>
-        <p:txBody>
-          <a:bodyPr/>
-          <a:lstStyle/>
-          <a:p>
-            <a:endParaRPr lang="en-US"/>
-          </a:p>
-        </p:txBody>
-      </p:sp>
-      <p:sp>
-        <p:nvSpPr>
-          <p:cNvPr id="3" name="Content Placeholder 2"/>
-          <p:cNvSpPr>
-            <a:spLocks noGrp="1"/>
-          </p:cNvSpPr>
-          <p:nvPr>
-            <p:ph idx="1"/>
-          </p:nvPr>
-        </p:nvSpPr>
-        <p:spPr/>
-        <p:txBody>
-          <a:bodyPr/>
-          <a:lstStyle/>
-          <a:p>
-            <a:pPr>
-              <a:buNone/>
-            </a:pPr>
-            <a:endParaRPr lang="en-US" dirty="0" smtClean="0"/>
-          </a:p>
-          <a:p>
-            <a:pPr>
-              <a:buNone/>
-            </a:pPr>
-            <a:endParaRPr lang="en-US" dirty="0" smtClean="0"/>
-          </a:p>
-          <a:p>
-            <a:pPr algn="ctr">
-              <a:buNone/>
-            </a:pPr>
-            <a:r>
-              <a:rPr lang="en-US" dirty="0" smtClean="0"/>
-              <a:t>Or how you can implement your own dirty tracking…</a:t>
-            </a:r>
-            <a:endParaRPr lang="en-US" dirty="0"/>
-          </a:p>
-        </p:txBody>
-      </p:sp>
-    </p:spTree>
-  </p:cSld>
-  <p:clrMapOvr>
-    <a:masterClrMapping/>
-  </p:clrMapOvr>
-  <p:timing>
-    <p:tnLst>
-      <p:par>
-        <p:cTn id="1" dur="indefinite" restart="never" nodeType="tmRoot"/>
-      </p:par>
-    </p:tnLst>
-  </p:timing>
-</p:sld>
-</file>
-
-<file path=ppt/slides/slide84.xml><?xml version="1.0" encoding="utf-8"?>
-<p:sld xmlns:a="http://schemas.openxmlformats.org/drawingml/2006/main" xmlns:r="http://schemas.openxmlformats.org/officeDocument/2006/relationships" xmlns:p="http://schemas.openxmlformats.org/presentationml/2006/main">
-  <p:cSld>
-    <p:spTree>
-      <p:nvGrpSpPr>
-        <p:cNvPr id="1" name=""/>
-        <p:cNvGrpSpPr/>
-        <p:nvPr/>
-      </p:nvGrpSpPr>
-      <p:grpSpPr>
-        <a:xfrm>
-          <a:off x="0" y="0"/>
-          <a:ext cx="0" cy="0"/>
-          <a:chOff x="0" y="0"/>
-          <a:chExt cx="0" cy="0"/>
-        </a:xfrm>
-      </p:grpSpPr>
-      <p:sp>
-        <p:nvSpPr>
-          <p:cNvPr id="2" name="Title 1"/>
-          <p:cNvSpPr>
-            <a:spLocks noGrp="1"/>
-          </p:cNvSpPr>
-          <p:nvPr>
-            <p:ph type="title"/>
-          </p:nvPr>
-        </p:nvSpPr>
-        <p:spPr/>
-        <p:txBody>
-          <a:bodyPr/>
-          <a:lstStyle/>
-          <a:p>
-            <a:endParaRPr lang="en-US"/>
-          </a:p>
-        </p:txBody>
-      </p:sp>
-      <p:sp>
-        <p:nvSpPr>
-          <p:cNvPr id="3" name="Content Placeholder 2"/>
-          <p:cNvSpPr>
-            <a:spLocks noGrp="1"/>
-          </p:cNvSpPr>
-          <p:nvPr>
-            <p:ph idx="1"/>
-          </p:nvPr>
-        </p:nvSpPr>
-        <p:spPr/>
-        <p:txBody>
-          <a:bodyPr/>
-          <a:lstStyle/>
-          <a:p>
-            <a:pPr>
-              <a:buNone/>
-            </a:pPr>
-            <a:endParaRPr lang="en-US" dirty="0" smtClean="0"/>
-          </a:p>
-          <a:p>
-            <a:pPr>
-              <a:buNone/>
-            </a:pPr>
-            <a:endParaRPr lang="en-US" dirty="0" smtClean="0"/>
-          </a:p>
-          <a:p>
-            <a:pPr algn="ctr">
-              <a:buNone/>
-            </a:pPr>
-            <a:r>
-              <a:rPr lang="en-US" dirty="0" smtClean="0"/>
-              <a:t>Or custom user types…</a:t>
-            </a:r>
-            <a:endParaRPr lang="en-US" dirty="0"/>
-          </a:p>
-        </p:txBody>
-      </p:sp>
-    </p:spTree>
-  </p:cSld>
-  <p:clrMapOvr>
-    <a:masterClrMapping/>
-  </p:clrMapOvr>
-  <p:transition advTm="3906"/>
-  <p:timing>
-    <p:tnLst>
-      <p:par>
-        <p:cTn id="1" dur="indefinite" restart="never" nodeType="tmRoot"/>
-      </p:par>
-    </p:tnLst>
-  </p:timing>
-</p:sld>
-</file>
-
-<file path=ppt/slides/slide85.xml><?xml version="1.0" encoding="utf-8"?>
-<p:sld xmlns:a="http://schemas.openxmlformats.org/drawingml/2006/main" xmlns:r="http://schemas.openxmlformats.org/officeDocument/2006/relationships" xmlns:p="http://schemas.openxmlformats.org/presentationml/2006/main">
-  <p:cSld>
-    <p:spTree>
-      <p:nvGrpSpPr>
-        <p:cNvPr id="1" name=""/>
-        <p:cNvGrpSpPr/>
-        <p:nvPr/>
-      </p:nvGrpSpPr>
-      <p:grpSpPr>
-        <a:xfrm>
-          <a:off x="0" y="0"/>
-          <a:ext cx="0" cy="0"/>
-          <a:chOff x="0" y="0"/>
-          <a:chExt cx="0" cy="0"/>
-        </a:xfrm>
-      </p:grpSpPr>
-      <p:sp>
-        <p:nvSpPr>
-          <p:cNvPr id="2" name="Title 1"/>
-          <p:cNvSpPr>
-            <a:spLocks noGrp="1"/>
-          </p:cNvSpPr>
-          <p:nvPr>
-            <p:ph type="title"/>
-          </p:nvPr>
-        </p:nvSpPr>
-        <p:spPr/>
-        <p:txBody>
-          <a:bodyPr/>
-          <a:lstStyle/>
-          <a:p>
-            <a:endParaRPr lang="en-US"/>
-          </a:p>
-        </p:txBody>
-      </p:sp>
-      <p:sp>
-        <p:nvSpPr>
-          <p:cNvPr id="3" name="Content Placeholder 2"/>
-          <p:cNvSpPr>
-            <a:spLocks noGrp="1"/>
-          </p:cNvSpPr>
-          <p:nvPr>
-            <p:ph idx="1"/>
-          </p:nvPr>
-        </p:nvSpPr>
-        <p:spPr/>
-        <p:txBody>
-          <a:bodyPr/>
-          <a:lstStyle/>
-          <a:p>
-            <a:pPr>
-              <a:buNone/>
-            </a:pPr>
-            <a:endParaRPr lang="en-US" dirty="0" smtClean="0"/>
-          </a:p>
-          <a:p>
-            <a:pPr>
-              <a:buNone/>
-            </a:pPr>
-            <a:endParaRPr lang="en-US" dirty="0" smtClean="0"/>
-          </a:p>
-          <a:p>
-            <a:pPr algn="ctr">
-              <a:buNone/>
-            </a:pPr>
-            <a:r>
-              <a:rPr lang="en-US" dirty="0" smtClean="0"/>
-              <a:t>Or how to deal with entities that were detached from the session…</a:t>
-            </a:r>
-            <a:endParaRPr lang="en-US" dirty="0"/>
-          </a:p>
-        </p:txBody>
-      </p:sp>
-    </p:spTree>
-  </p:cSld>
-  <p:clrMapOvr>
-    <a:masterClrMapping/>
-  </p:clrMapOvr>
-  <p:transition advTm="12125"/>
-  <p:timing>
-    <p:tnLst>
-      <p:par>
-        <p:cTn id="1" dur="indefinite" restart="never" nodeType="tmRoot"/>
-      </p:par>
-    </p:tnLst>
-  </p:timing>
-</p:sld>
-</file>
-
-<file path=ppt/slides/slide86.xml><?xml version="1.0" encoding="utf-8"?>
-<p:sld xmlns:a="http://schemas.openxmlformats.org/drawingml/2006/main" xmlns:r="http://schemas.openxmlformats.org/officeDocument/2006/relationships" xmlns:p="http://schemas.openxmlformats.org/presentationml/2006/main">
-  <p:cSld>
-    <p:spTree>
-      <p:nvGrpSpPr>
-        <p:cNvPr id="1" name=""/>
-        <p:cNvGrpSpPr/>
-        <p:nvPr/>
-      </p:nvGrpSpPr>
-      <p:grpSpPr>
-        <a:xfrm>
-          <a:off x="0" y="0"/>
-          <a:ext cx="0" cy="0"/>
-          <a:chOff x="0" y="0"/>
-          <a:chExt cx="0" cy="0"/>
-        </a:xfrm>
-      </p:grpSpPr>
-      <p:sp>
-        <p:nvSpPr>
-          <p:cNvPr id="2" name="Title 1"/>
-          <p:cNvSpPr>
-            <a:spLocks noGrp="1"/>
-          </p:cNvSpPr>
-          <p:nvPr>
-            <p:ph type="title"/>
-          </p:nvPr>
-        </p:nvSpPr>
-        <p:spPr/>
-        <p:txBody>
-          <a:bodyPr/>
-          <a:lstStyle/>
-          <a:p>
-            <a:endParaRPr lang="en-US"/>
-          </a:p>
-        </p:txBody>
-      </p:sp>
-      <p:sp>
-        <p:nvSpPr>
-          <p:cNvPr id="3" name="Content Placeholder 2"/>
-          <p:cNvSpPr>
-            <a:spLocks noGrp="1"/>
-          </p:cNvSpPr>
-          <p:nvPr>
-            <p:ph idx="1"/>
-          </p:nvPr>
-        </p:nvSpPr>
-        <p:spPr/>
-        <p:txBody>
-          <a:bodyPr/>
-          <a:lstStyle/>
-          <a:p>
-            <a:pPr>
-              <a:buNone/>
-            </a:pPr>
-            <a:endParaRPr lang="en-US" dirty="0" smtClean="0"/>
-          </a:p>
-          <a:p>
-            <a:pPr>
-              <a:buNone/>
-            </a:pPr>
-            <a:endParaRPr lang="en-US" dirty="0" smtClean="0"/>
-          </a:p>
-          <a:p>
-            <a:pPr algn="ctr">
-              <a:buNone/>
-            </a:pPr>
-            <a:r>
-              <a:rPr lang="en-US" dirty="0" smtClean="0"/>
-              <a:t>Or the generation of DDL scripts, for your specific database…</a:t>
-            </a:r>
-            <a:endParaRPr lang="en-US" dirty="0"/>
-          </a:p>
-        </p:txBody>
-      </p:sp>
-    </p:spTree>
-  </p:cSld>
-  <p:clrMapOvr>
-    <a:masterClrMapping/>
-  </p:clrMapOvr>
-  <p:transition advTm="12906"/>
-  <p:timing>
-    <p:tnLst>
-      <p:par>
-        <p:cTn id="1" dur="indefinite" restart="never" nodeType="tmRoot"/>
-      </p:par>
-    </p:tnLst>
-  </p:timing>
-</p:sld>
-</file>
-
-<file path=ppt/slides/slide87.xml><?xml version="1.0" encoding="utf-8"?>
-<p:sld xmlns:a="http://schemas.openxmlformats.org/drawingml/2006/main" xmlns:r="http://schemas.openxmlformats.org/officeDocument/2006/relationships" xmlns:p="http://schemas.openxmlformats.org/presentationml/2006/main">
-  <p:cSld>
-    <p:spTree>
-      <p:nvGrpSpPr>
-        <p:cNvPr id="1" name=""/>
-        <p:cNvGrpSpPr/>
-        <p:nvPr/>
-      </p:nvGrpSpPr>
-      <p:grpSpPr>
-        <a:xfrm>
-          <a:off x="0" y="0"/>
-          <a:ext cx="0" cy="0"/>
-          <a:chOff x="0" y="0"/>
-          <a:chExt cx="0" cy="0"/>
-        </a:xfrm>
-      </p:grpSpPr>
-      <p:sp>
-        <p:nvSpPr>
-          <p:cNvPr id="2" name="Title 1"/>
-          <p:cNvSpPr>
-            <a:spLocks noGrp="1"/>
-          </p:cNvSpPr>
-          <p:nvPr>
-            <p:ph type="title"/>
-          </p:nvPr>
-        </p:nvSpPr>
-        <p:spPr/>
-        <p:txBody>
-          <a:bodyPr/>
-          <a:lstStyle/>
-          <a:p>
-            <a:endParaRPr lang="en-US"/>
-          </a:p>
-        </p:txBody>
-      </p:sp>
-      <p:sp>
-        <p:nvSpPr>
-          <p:cNvPr id="3" name="Content Placeholder 2"/>
-          <p:cNvSpPr>
-            <a:spLocks noGrp="1"/>
-          </p:cNvSpPr>
-          <p:nvPr>
-            <p:ph idx="1"/>
-          </p:nvPr>
-        </p:nvSpPr>
-        <p:spPr/>
-        <p:txBody>
-          <a:bodyPr/>
-          <a:lstStyle/>
-          <a:p>
-            <a:pPr>
-              <a:buNone/>
-            </a:pPr>
-            <a:endParaRPr lang="en-US" dirty="0" smtClean="0"/>
-          </a:p>
-          <a:p>
-            <a:pPr>
-              <a:buNone/>
-            </a:pPr>
-            <a:endParaRPr lang="en-US" dirty="0" smtClean="0"/>
-          </a:p>
-          <a:p>
-            <a:pPr algn="ctr">
-              <a:buNone/>
-            </a:pPr>
-            <a:r>
-              <a:rPr lang="en-US" dirty="0" smtClean="0"/>
-              <a:t>Or the various mapping strategies for complex domain models…</a:t>
-            </a:r>
-            <a:endParaRPr lang="en-US" dirty="0"/>
-          </a:p>
-        </p:txBody>
-      </p:sp>
-    </p:spTree>
-  </p:cSld>
-  <p:clrMapOvr>
-    <a:masterClrMapping/>
-  </p:clrMapOvr>
-  <p:transition advTm="9531"/>
-  <p:timing>
-    <p:tnLst>
-      <p:par>
-        <p:cTn id="1" dur="indefinite" restart="never" nodeType="tmRoot"/>
-      </p:par>
-    </p:tnLst>
-  </p:timing>
-</p:sld>
-</file>
-
-<file path=ppt/slides/slide88.xml><?xml version="1.0" encoding="utf-8"?>
-<p:sld xmlns:a="http://schemas.openxmlformats.org/drawingml/2006/main" xmlns:r="http://schemas.openxmlformats.org/officeDocument/2006/relationships" xmlns:p="http://schemas.openxmlformats.org/presentationml/2006/main">
-  <p:cSld>
-    <p:spTree>
-      <p:nvGrpSpPr>
-        <p:cNvPr id="1" name=""/>
-        <p:cNvGrpSpPr/>
-        <p:nvPr/>
-      </p:nvGrpSpPr>
-      <p:grpSpPr>
-        <a:xfrm>
-          <a:off x="0" y="0"/>
-          <a:ext cx="0" cy="0"/>
-          <a:chOff x="0" y="0"/>
-          <a:chExt cx="0" cy="0"/>
-        </a:xfrm>
-      </p:grpSpPr>
-      <p:sp>
-        <p:nvSpPr>
-          <p:cNvPr id="2" name="Title 1"/>
-          <p:cNvSpPr>
-            <a:spLocks noGrp="1"/>
-          </p:cNvSpPr>
-          <p:nvPr>
-            <p:ph type="title"/>
-          </p:nvPr>
-        </p:nvSpPr>
-        <p:spPr/>
-        <p:txBody>
-          <a:bodyPr/>
-          <a:lstStyle/>
-          <a:p>
-            <a:endParaRPr lang="en-US"/>
-          </a:p>
-        </p:txBody>
-      </p:sp>
-      <p:sp>
-        <p:nvSpPr>
-          <p:cNvPr id="3" name="Content Placeholder 2"/>
-          <p:cNvSpPr>
-            <a:spLocks noGrp="1"/>
-          </p:cNvSpPr>
-          <p:nvPr>
-            <p:ph idx="1"/>
-          </p:nvPr>
-        </p:nvSpPr>
-        <p:spPr/>
-        <p:txBody>
-          <a:bodyPr/>
-          <a:lstStyle/>
-          <a:p>
-            <a:pPr>
-              <a:buNone/>
-            </a:pPr>
-            <a:endParaRPr lang="en-US" dirty="0" smtClean="0"/>
-          </a:p>
-          <a:p>
-            <a:pPr>
-              <a:buNone/>
-            </a:pPr>
-            <a:endParaRPr lang="en-US" dirty="0" smtClean="0"/>
-          </a:p>
-          <a:p>
-            <a:pPr algn="ctr">
-              <a:buNone/>
-            </a:pPr>
-            <a:r>
-              <a:rPr lang="en-US" dirty="0" smtClean="0"/>
-              <a:t>We didn’t cover any of the many extensibility points either…</a:t>
-            </a:r>
-          </a:p>
-        </p:txBody>
-      </p:sp>
-    </p:spTree>
-  </p:cSld>
-  <p:clrMapOvr>
-    <a:masterClrMapping/>
-  </p:clrMapOvr>
-  <p:transition advTm="14078"/>
-  <p:timing>
-    <p:tnLst>
-      <p:par>
-        <p:cTn id="1" dur="indefinite" restart="never" nodeType="tmRoot"/>
-      </p:par>
-    </p:tnLst>
-  </p:timing>
-</p:sld>
-</file>
-
-<file path=ppt/slides/slide89.xml><?xml version="1.0" encoding="utf-8"?>
-<p:sld xmlns:a="http://schemas.openxmlformats.org/drawingml/2006/main" xmlns:r="http://schemas.openxmlformats.org/officeDocument/2006/relationships" xmlns:p="http://schemas.openxmlformats.org/presentationml/2006/main">
-  <p:cSld>
-    <p:spTree>
-      <p:nvGrpSpPr>
-        <p:cNvPr id="1" name=""/>
-        <p:cNvGrpSpPr/>
-        <p:nvPr/>
-      </p:nvGrpSpPr>
-      <p:grpSpPr>
-        <a:xfrm>
-          <a:off x="0" y="0"/>
-          <a:ext cx="0" cy="0"/>
-          <a:chOff x="0" y="0"/>
-          <a:chExt cx="0" cy="0"/>
-        </a:xfrm>
-      </p:grpSpPr>
-      <p:sp>
-        <p:nvSpPr>
-          <p:cNvPr id="2" name="Title 1"/>
-          <p:cNvSpPr>
-            <a:spLocks noGrp="1"/>
-          </p:cNvSpPr>
-          <p:nvPr>
-            <p:ph type="title"/>
-          </p:nvPr>
-        </p:nvSpPr>
-        <p:spPr/>
-        <p:txBody>
-          <a:bodyPr/>
-          <a:lstStyle/>
-          <a:p>
-            <a:endParaRPr lang="en-US"/>
-          </a:p>
-        </p:txBody>
-      </p:sp>
-      <p:sp>
-        <p:nvSpPr>
-          <p:cNvPr id="3" name="Content Placeholder 2"/>
-          <p:cNvSpPr>
-            <a:spLocks noGrp="1"/>
-          </p:cNvSpPr>
-          <p:nvPr>
-            <p:ph idx="1"/>
-          </p:nvPr>
-        </p:nvSpPr>
-        <p:spPr/>
-        <p:txBody>
-          <a:bodyPr/>
-          <a:lstStyle/>
-          <a:p>
-            <a:pPr>
-              <a:buNone/>
-            </a:pPr>
-            <a:endParaRPr lang="en-US" dirty="0" smtClean="0"/>
-          </a:p>
-          <a:p>
-            <a:pPr>
-              <a:buNone/>
-            </a:pPr>
-            <a:endParaRPr lang="en-US" dirty="0" smtClean="0"/>
-          </a:p>
-          <a:p>
-            <a:pPr algn="ctr">
-              <a:buNone/>
-            </a:pPr>
-            <a:r>
-              <a:rPr lang="en-US" dirty="0" smtClean="0"/>
-              <a:t>Maybe some other time :)</a:t>
-            </a:r>
-            <a:endParaRPr lang="en-US" dirty="0"/>
-          </a:p>
-        </p:txBody>
-      </p:sp>
-    </p:spTree>
-  </p:cSld>
-  <p:clrMapOvr>
-    <a:masterClrMapping/>
-  </p:clrMapOvr>
-  <p:transition advTm="8343"/>
   <p:timing>
     <p:tnLst>
       <p:par>
@@ -11406,13 +10163,8 @@
             </a:pPr>
             <a:r>
               <a:rPr lang="en-US" dirty="0" smtClean="0"/>
-              <a:t>Should work on </a:t>
-            </a:r>
-            <a:r>
-              <a:rPr lang="en-US" dirty="0" smtClean="0"/>
-              <a:t>most databases</a:t>
-            </a:r>
-            <a:endParaRPr lang="en-US" dirty="0" smtClean="0"/>
+              <a:t>Should work on most databases</a:t>
+            </a:r>
           </a:p>
           <a:p>
             <a:pPr>
@@ -11428,276 +10180,6 @@
     <a:masterClrMapping/>
   </p:clrMapOvr>
   <p:transition advTm="24781"/>
-  <p:timing>
-    <p:tnLst>
-      <p:par>
-        <p:cTn id="1" dur="indefinite" restart="never" nodeType="tmRoot"/>
-      </p:par>
-    </p:tnLst>
-  </p:timing>
-</p:sld>
-</file>
-
-<file path=ppt/slides/slide90.xml><?xml version="1.0" encoding="utf-8"?>
-<p:sld xmlns:a="http://schemas.openxmlformats.org/drawingml/2006/main" xmlns:r="http://schemas.openxmlformats.org/officeDocument/2006/relationships" xmlns:p="http://schemas.openxmlformats.org/presentationml/2006/main">
-  <p:cSld>
-    <p:spTree>
-      <p:nvGrpSpPr>
-        <p:cNvPr id="1" name=""/>
-        <p:cNvGrpSpPr/>
-        <p:nvPr/>
-      </p:nvGrpSpPr>
-      <p:grpSpPr>
-        <a:xfrm>
-          <a:off x="0" y="0"/>
-          <a:ext cx="0" cy="0"/>
-          <a:chOff x="0" y="0"/>
-          <a:chExt cx="0" cy="0"/>
-        </a:xfrm>
-      </p:grpSpPr>
-      <p:sp>
-        <p:nvSpPr>
-          <p:cNvPr id="2" name="Title 1"/>
-          <p:cNvSpPr>
-            <a:spLocks noGrp="1"/>
-          </p:cNvSpPr>
-          <p:nvPr>
-            <p:ph type="title"/>
-          </p:nvPr>
-        </p:nvSpPr>
-        <p:spPr/>
-        <p:txBody>
-          <a:bodyPr/>
-          <a:lstStyle/>
-          <a:p>
-            <a:endParaRPr lang="en-US"/>
-          </a:p>
-        </p:txBody>
-      </p:sp>
-      <p:sp>
-        <p:nvSpPr>
-          <p:cNvPr id="3" name="Content Placeholder 2"/>
-          <p:cNvSpPr>
-            <a:spLocks noGrp="1"/>
-          </p:cNvSpPr>
-          <p:nvPr>
-            <p:ph idx="1"/>
-          </p:nvPr>
-        </p:nvSpPr>
-        <p:spPr/>
-        <p:txBody>
-          <a:bodyPr/>
-          <a:lstStyle/>
-          <a:p>
-            <a:pPr>
-              <a:buNone/>
-            </a:pPr>
-            <a:endParaRPr lang="en-US" dirty="0" smtClean="0"/>
-          </a:p>
-          <a:p>
-            <a:pPr>
-              <a:buNone/>
-            </a:pPr>
-            <a:endParaRPr lang="en-US" dirty="0" smtClean="0"/>
-          </a:p>
-          <a:p>
-            <a:pPr algn="ctr">
-              <a:buNone/>
-            </a:pPr>
-            <a:r>
-              <a:rPr lang="en-US" dirty="0" smtClean="0"/>
-              <a:t>If you want to learn more, be sure to visit http://nhforge.org</a:t>
-            </a:r>
-            <a:endParaRPr lang="en-US" dirty="0"/>
-          </a:p>
-        </p:txBody>
-      </p:sp>
-    </p:spTree>
-  </p:cSld>
-  <p:clrMapOvr>
-    <a:masterClrMapping/>
-  </p:clrMapOvr>
-  <p:transition advTm="22703"/>
-  <p:timing>
-    <p:tnLst>
-      <p:par>
-        <p:cTn id="1" dur="indefinite" restart="never" nodeType="tmRoot"/>
-      </p:par>
-    </p:tnLst>
-  </p:timing>
-</p:sld>
-</file>
-
-<file path=ppt/slides/slide91.xml><?xml version="1.0" encoding="utf-8"?>
-<p:sld xmlns:a="http://schemas.openxmlformats.org/drawingml/2006/main" xmlns:r="http://schemas.openxmlformats.org/officeDocument/2006/relationships" xmlns:p="http://schemas.openxmlformats.org/presentationml/2006/main">
-  <p:cSld>
-    <p:spTree>
-      <p:nvGrpSpPr>
-        <p:cNvPr id="1" name=""/>
-        <p:cNvGrpSpPr/>
-        <p:nvPr/>
-      </p:nvGrpSpPr>
-      <p:grpSpPr>
-        <a:xfrm>
-          <a:off x="0" y="0"/>
-          <a:ext cx="0" cy="0"/>
-          <a:chOff x="0" y="0"/>
-          <a:chExt cx="0" cy="0"/>
-        </a:xfrm>
-      </p:grpSpPr>
-      <p:sp>
-        <p:nvSpPr>
-          <p:cNvPr id="2" name="Title 1"/>
-          <p:cNvSpPr>
-            <a:spLocks noGrp="1"/>
-          </p:cNvSpPr>
-          <p:nvPr>
-            <p:ph type="title"/>
-          </p:nvPr>
-        </p:nvSpPr>
-        <p:spPr/>
-        <p:txBody>
-          <a:bodyPr/>
-          <a:lstStyle/>
-          <a:p>
-            <a:endParaRPr lang="en-US"/>
-          </a:p>
-        </p:txBody>
-      </p:sp>
-      <p:sp>
-        <p:nvSpPr>
-          <p:cNvPr id="3" name="Content Placeholder 2"/>
-          <p:cNvSpPr>
-            <a:spLocks noGrp="1"/>
-          </p:cNvSpPr>
-          <p:nvPr>
-            <p:ph idx="1"/>
-          </p:nvPr>
-        </p:nvSpPr>
-        <p:spPr/>
-        <p:txBody>
-          <a:bodyPr/>
-          <a:lstStyle/>
-          <a:p>
-            <a:pPr>
-              <a:buNone/>
-            </a:pPr>
-            <a:endParaRPr lang="en-US" dirty="0" smtClean="0"/>
-          </a:p>
-          <a:p>
-            <a:pPr>
-              <a:buNone/>
-            </a:pPr>
-            <a:endParaRPr lang="en-US" dirty="0" smtClean="0"/>
-          </a:p>
-          <a:p>
-            <a:pPr algn="ctr">
-              <a:buNone/>
-            </a:pPr>
-            <a:r>
-              <a:rPr lang="en-US" dirty="0" smtClean="0"/>
-              <a:t>Oh, and check out my blog if you liked this presentation: http://davybrion.com</a:t>
-            </a:r>
-            <a:endParaRPr lang="en-US" dirty="0"/>
-          </a:p>
-        </p:txBody>
-      </p:sp>
-    </p:spTree>
-  </p:cSld>
-  <p:clrMapOvr>
-    <a:masterClrMapping/>
-  </p:clrMapOvr>
-  <p:transition advTm="8344"/>
-  <p:timing>
-    <p:tnLst>
-      <p:par>
-        <p:cTn id="1" dur="indefinite" restart="never" nodeType="tmRoot"/>
-      </p:par>
-    </p:tnLst>
-  </p:timing>
-</p:sld>
-</file>
-
-<file path=ppt/slides/slide92.xml><?xml version="1.0" encoding="utf-8"?>
-<p:sld xmlns:a="http://schemas.openxmlformats.org/drawingml/2006/main" xmlns:r="http://schemas.openxmlformats.org/officeDocument/2006/relationships" xmlns:p="http://schemas.openxmlformats.org/presentationml/2006/main">
-  <p:cSld>
-    <p:spTree>
-      <p:nvGrpSpPr>
-        <p:cNvPr id="1" name=""/>
-        <p:cNvGrpSpPr/>
-        <p:nvPr/>
-      </p:nvGrpSpPr>
-      <p:grpSpPr>
-        <a:xfrm>
-          <a:off x="0" y="0"/>
-          <a:ext cx="0" cy="0"/>
-          <a:chOff x="0" y="0"/>
-          <a:chExt cx="0" cy="0"/>
-        </a:xfrm>
-      </p:grpSpPr>
-      <p:sp>
-        <p:nvSpPr>
-          <p:cNvPr id="2" name="Title 1"/>
-          <p:cNvSpPr>
-            <a:spLocks noGrp="1"/>
-          </p:cNvSpPr>
-          <p:nvPr>
-            <p:ph type="title"/>
-          </p:nvPr>
-        </p:nvSpPr>
-        <p:spPr/>
-        <p:txBody>
-          <a:bodyPr/>
-          <a:lstStyle/>
-          <a:p>
-            <a:endParaRPr lang="en-US"/>
-          </a:p>
-        </p:txBody>
-      </p:sp>
-      <p:sp>
-        <p:nvSpPr>
-          <p:cNvPr id="3" name="Content Placeholder 2"/>
-          <p:cNvSpPr>
-            <a:spLocks noGrp="1"/>
-          </p:cNvSpPr>
-          <p:nvPr>
-            <p:ph idx="1"/>
-          </p:nvPr>
-        </p:nvSpPr>
-        <p:spPr/>
-        <p:txBody>
-          <a:bodyPr/>
-          <a:lstStyle/>
-          <a:p>
-            <a:pPr>
-              <a:buNone/>
-            </a:pPr>
-            <a:endParaRPr lang="en-US" dirty="0" smtClean="0"/>
-          </a:p>
-          <a:p>
-            <a:pPr>
-              <a:buNone/>
-            </a:pPr>
-            <a:endParaRPr lang="en-US" dirty="0" smtClean="0"/>
-          </a:p>
-          <a:p>
-            <a:pPr algn="ctr">
-              <a:buNone/>
-            </a:pPr>
-            <a:r>
-              <a:rPr lang="en-US" dirty="0" smtClean="0"/>
-              <a:t>Questions?</a:t>
-            </a:r>
-            <a:endParaRPr lang="en-US" dirty="0"/>
-          </a:p>
-        </p:txBody>
-      </p:sp>
-    </p:spTree>
-  </p:cSld>
-  <p:clrMapOvr>
-    <a:masterClrMapping/>
-  </p:clrMapOvr>
-  <p:transition advTm="10578"/>
   <p:timing>
     <p:tnLst>
       <p:par>
